--- a/docs/lectures/01/slides_01.pptx
+++ b/docs/lectures/01/slides_01.pptx
@@ -5,15 +5,19 @@
     <p:sldMasterId id="2147483648" r:id="rId1"/>
   </p:sldMasterIdLst>
   <p:notesMasterIdLst>
-    <p:notesMasterId r:id="rId5"/>
+    <p:notesMasterId r:id="rId9"/>
   </p:notesMasterIdLst>
   <p:handoutMasterIdLst>
-    <p:handoutMasterId r:id="rId6"/>
+    <p:handoutMasterId r:id="rId10"/>
   </p:handoutMasterIdLst>
   <p:sldIdLst>
     <p:sldId id="256" r:id="rId2"/>
-    <p:sldId id="273" r:id="rId3"/>
-    <p:sldId id="272" r:id="rId4"/>
+    <p:sldId id="274" r:id="rId3"/>
+    <p:sldId id="275" r:id="rId4"/>
+    <p:sldId id="273" r:id="rId5"/>
+    <p:sldId id="276" r:id="rId6"/>
+    <p:sldId id="277" r:id="rId7"/>
+    <p:sldId id="272" r:id="rId8"/>
   </p:sldIdLst>
   <p:sldSz cx="12192000" cy="6858000"/>
   <p:notesSz cx="6858000" cy="9144000"/>
@@ -236,7 +240,7 @@
             <a:fld id="{D0106195-8D78-4F6F-B8E4-FA67975ACEF5}" type="datetimeFigureOut">
               <a:rPr lang="ru-RU" smtClean="0"/>
               <a:pPr/>
-              <a:t>09.08.2022</a:t>
+              <a:t>19.09.2022</a:t>
             </a:fld>
             <a:endParaRPr lang="ru-RU"/>
           </a:p>
@@ -404,7 +408,7 @@
             <a:fld id="{878212F1-C3D9-4F2B-8F42-5E960FE8BE51}" type="datetimeFigureOut">
               <a:rPr lang="ru-RU" smtClean="0"/>
               <a:pPr/>
-              <a:t>09.08.2022</a:t>
+              <a:t>19.09.2022</a:t>
             </a:fld>
             <a:endParaRPr lang="ru-RU"/>
           </a:p>
@@ -901,7 +905,7 @@
             <a:fld id="{5583B3A5-99BF-45D9-956B-DC57CC23AD97}" type="slidenum">
               <a:rPr lang="ru-RU" smtClean="0"/>
               <a:pPr/>
-              <a:t>3</a:t>
+              <a:t>7</a:t>
             </a:fld>
             <a:endParaRPr lang="ru-RU"/>
           </a:p>
@@ -4081,11 +4085,7 @@
             </a:br>
             <a:r>
               <a:rPr lang="en-US" b="1" dirty="0" smtClean="0"/>
-              <a:t>Lecture </a:t>
-            </a:r>
-            <a:r>
-              <a:rPr lang="en-US" b="1" dirty="0" smtClean="0"/>
-              <a:t>1: Introduction. Static Analysis. Software Metrics.</a:t>
+              <a:t>Lecture 1: Introduction. Static Analysis. Software Metrics.</a:t>
             </a:r>
             <a:endParaRPr lang="ru-RU" b="1" dirty="0"/>
           </a:p>
@@ -4222,9 +4222,39 @@
           <a:chExt cx="0" cy="0"/>
         </a:xfrm>
       </p:grpSpPr>
-      <p:sp>
-        <p:nvSpPr>
-          <p:cNvPr id="2" name="Содержимое 1"/>
+      <p:pic>
+        <p:nvPicPr>
+          <p:cNvPr id="6" name="Picture 5"/>
+          <p:cNvPicPr>
+            <a:picLocks noChangeAspect="1"/>
+          </p:cNvPicPr>
+          <p:nvPr/>
+        </p:nvPicPr>
+        <p:blipFill>
+          <a:blip r:embed="rId2">
+            <a:extLst>
+              <a:ext uri="{28A0092B-C50C-407E-A947-70E740481C1C}">
+                <a14:useLocalDpi xmlns:a14="http://schemas.microsoft.com/office/drawing/2010/main" val="0"/>
+              </a:ext>
+            </a:extLst>
+          </a:blip>
+          <a:stretch>
+            <a:fillRect/>
+          </a:stretch>
+        </p:blipFill>
+        <p:spPr>
+          <a:xfrm>
+            <a:off x="3786069" y="1086026"/>
+            <a:ext cx="4619862" cy="2609984"/>
+          </a:xfrm>
+          <a:prstGeom prst="rect">
+            <a:avLst/>
+          </a:prstGeom>
+        </p:spPr>
+      </p:pic>
+      <p:sp>
+        <p:nvSpPr>
+          <p:cNvPr id="2" name="Content Placeholder 1"/>
           <p:cNvSpPr>
             <a:spLocks noGrp="1"/>
           </p:cNvSpPr>
@@ -4232,18 +4262,161 @@
             <p:ph idx="1"/>
           </p:nvPr>
         </p:nvSpPr>
-        <p:spPr/>
-        <p:txBody>
-          <a:bodyPr/>
-          <a:lstStyle/>
-          <a:p>
-            <a:endParaRPr lang="ru-RU"/>
-          </a:p>
-        </p:txBody>
-      </p:sp>
-      <p:sp>
-        <p:nvSpPr>
-          <p:cNvPr id="3" name="Номер слайда 2"/>
+        <p:spPr>
+          <a:xfrm>
+            <a:off x="743712" y="3244927"/>
+            <a:ext cx="10515600" cy="3334776"/>
+          </a:xfrm>
+        </p:spPr>
+        <p:txBody>
+          <a:bodyPr>
+            <a:normAutofit fontScale="70000" lnSpcReduction="20000"/>
+          </a:bodyPr>
+          <a:lstStyle/>
+          <a:p>
+            <a:r>
+              <a:rPr lang="en-US" sz="4000" b="1" dirty="0"/>
+              <a:t>Wiki</a:t>
+            </a:r>
+            <a:endParaRPr lang="en-US" sz="4000" b="1" dirty="0">
+              <a:hlinkClick r:id="rId3"/>
+            </a:endParaRPr>
+          </a:p>
+          <a:p>
+            <a:pPr>
+              <a:buNone/>
+            </a:pPr>
+            <a:r>
+              <a:rPr lang="en-US" dirty="0">
+                <a:hlinkClick r:id="rId4"/>
+              </a:rPr>
+              <a:t>http://</a:t>
+            </a:r>
+            <a:r>
+              <a:rPr lang="en-US" dirty="0" smtClean="0">
+                <a:hlinkClick r:id="rId4"/>
+              </a:rPr>
+              <a:t>wiki.cs.hse.ru/SPA_2022</a:t>
+            </a:r>
+            <a:endParaRPr lang="en-US" dirty="0" smtClean="0"/>
+          </a:p>
+          <a:p>
+            <a:pPr>
+              <a:buNone/>
+            </a:pPr>
+            <a:r>
+              <a:rPr lang="en-US" sz="4000" b="1" dirty="0" smtClean="0"/>
+              <a:t>Web </a:t>
+            </a:r>
+            <a:r>
+              <a:rPr lang="en-US" sz="4000" b="1" dirty="0"/>
+              <a:t>site</a:t>
+            </a:r>
+            <a:endParaRPr lang="ru-RU" sz="4000" b="1" dirty="0"/>
+          </a:p>
+          <a:p>
+            <a:pPr>
+              <a:buNone/>
+            </a:pPr>
+            <a:r>
+              <a:rPr lang="en-US" dirty="0">
+                <a:hlinkClick r:id="rId5"/>
+              </a:rPr>
+              <a:t>https://andrewt0301.github.io/static-analysis-course</a:t>
+            </a:r>
+            <a:r>
+              <a:rPr lang="en-US" dirty="0" smtClean="0">
+                <a:hlinkClick r:id="rId5"/>
+              </a:rPr>
+              <a:t>/</a:t>
+            </a:r>
+            <a:endParaRPr lang="en-US" dirty="0" smtClean="0"/>
+          </a:p>
+          <a:p>
+            <a:r>
+              <a:rPr lang="en-US" sz="4000" b="1" dirty="0" smtClean="0"/>
+              <a:t>Telegram channel</a:t>
+            </a:r>
+            <a:endParaRPr lang="en-US" sz="4000" b="1" dirty="0"/>
+          </a:p>
+          <a:p>
+            <a:pPr>
+              <a:buNone/>
+            </a:pPr>
+            <a:r>
+              <a:rPr lang="en-US" dirty="0">
+                <a:hlinkClick r:id="rId6"/>
+              </a:rPr>
+              <a:t>https://t.me/+</a:t>
+            </a:r>
+            <a:r>
+              <a:rPr lang="en-US" dirty="0" smtClean="0">
+                <a:hlinkClick r:id="rId6"/>
+              </a:rPr>
+              <a:t>gazeL_TRsRYyMWYy</a:t>
+            </a:r>
+            <a:endParaRPr lang="en-US" dirty="0" smtClean="0"/>
+          </a:p>
+          <a:p>
+            <a:r>
+              <a:rPr lang="en-US" sz="4000" b="1" dirty="0" smtClean="0"/>
+              <a:t>Telegram chat</a:t>
+            </a:r>
+          </a:p>
+          <a:p>
+            <a:pPr marL="0" indent="0">
+              <a:buNone/>
+            </a:pPr>
+            <a:r>
+              <a:rPr lang="en-US" dirty="0">
+                <a:hlinkClick r:id="rId7"/>
+              </a:rPr>
+              <a:t>https://t.me/+</a:t>
+            </a:r>
+            <a:r>
+              <a:rPr lang="en-US" dirty="0" smtClean="0">
+                <a:hlinkClick r:id="rId7"/>
+              </a:rPr>
+              <a:t>d33WiFnng905Mjdi</a:t>
+            </a:r>
+            <a:endParaRPr lang="en-US" dirty="0" smtClean="0"/>
+          </a:p>
+          <a:p>
+            <a:pPr marL="0" indent="0">
+              <a:buNone/>
+            </a:pPr>
+            <a:endParaRPr lang="en-US" sz="2800" dirty="0"/>
+          </a:p>
+          <a:p>
+            <a:pPr marL="0" indent="0">
+              <a:buNone/>
+            </a:pPr>
+            <a:endParaRPr lang="en-US" sz="4000" b="1" dirty="0" smtClean="0"/>
+          </a:p>
+          <a:p>
+            <a:endParaRPr lang="en-US" sz="4000" b="1" dirty="0"/>
+          </a:p>
+          <a:p>
+            <a:pPr>
+              <a:buNone/>
+            </a:pPr>
+            <a:endParaRPr lang="en-US" dirty="0" smtClean="0">
+              <a:hlinkClick r:id="rId3"/>
+            </a:endParaRPr>
+          </a:p>
+          <a:p>
+            <a:pPr>
+              <a:buNone/>
+            </a:pPr>
+            <a:endParaRPr lang="en-US" dirty="0">
+              <a:hlinkClick r:id="rId3"/>
+            </a:endParaRPr>
+          </a:p>
+        </p:txBody>
+      </p:sp>
+      <p:sp>
+        <p:nvSpPr>
+          <p:cNvPr id="3" name="Slide Number Placeholder 2"/>
           <p:cNvSpPr>
             <a:spLocks noGrp="1"/>
           </p:cNvSpPr>
@@ -4268,7 +4441,7 @@
       </p:sp>
       <p:sp>
         <p:nvSpPr>
-          <p:cNvPr id="4" name="Заголовок 3"/>
+          <p:cNvPr id="4" name="Title 3"/>
           <p:cNvSpPr>
             <a:spLocks noGrp="1"/>
           </p:cNvSpPr>
@@ -4281,11 +4454,19 @@
           <a:bodyPr/>
           <a:lstStyle/>
           <a:p>
-            <a:endParaRPr lang="ru-RU"/>
+            <a:r>
+              <a:rPr lang="en-US" dirty="0"/>
+              <a:t>Course Resources</a:t>
+            </a:r>
           </a:p>
         </p:txBody>
       </p:sp>
     </p:spTree>
+    <p:extLst>
+      <p:ext uri="{BB962C8B-B14F-4D97-AF65-F5344CB8AC3E}">
+        <p14:creationId xmlns:p14="http://schemas.microsoft.com/office/powerpoint/2010/main" val="2840038304"/>
+      </p:ext>
+    </p:extLst>
   </p:cSld>
   <p:clrMapOvr>
     <a:masterClrMapping/>
@@ -4312,6 +4493,1004 @@
       </p:grpSpPr>
       <p:sp>
         <p:nvSpPr>
+          <p:cNvPr id="2" name="Content Placeholder 1"/>
+          <p:cNvSpPr>
+            <a:spLocks noGrp="1"/>
+          </p:cNvSpPr>
+          <p:nvPr>
+            <p:ph idx="1"/>
+          </p:nvPr>
+        </p:nvSpPr>
+        <p:spPr>
+          <a:xfrm>
+            <a:off x="838200" y="3925720"/>
+            <a:ext cx="10515600" cy="2250229"/>
+          </a:xfrm>
+        </p:spPr>
+        <p:txBody>
+          <a:bodyPr>
+            <a:normAutofit fontScale="77500" lnSpcReduction="20000"/>
+          </a:bodyPr>
+          <a:lstStyle/>
+          <a:p>
+            <a:r>
+              <a:rPr lang="pt-BR" dirty="0"/>
+              <a:t>HSE page: </a:t>
+            </a:r>
+            <a:r>
+              <a:rPr lang="pt-BR" dirty="0">
+                <a:hlinkClick r:id="rId2"/>
+              </a:rPr>
+              <a:t>https://</a:t>
+            </a:r>
+            <a:r>
+              <a:rPr lang="pt-BR" dirty="0" smtClean="0">
+                <a:hlinkClick r:id="rId2"/>
+              </a:rPr>
+              <a:t>www.hse.ru/org/persons/36585966</a:t>
+            </a:r>
+            <a:endParaRPr lang="pt-BR" dirty="0" smtClean="0"/>
+          </a:p>
+          <a:p>
+            <a:r>
+              <a:rPr lang="pt-BR" dirty="0" smtClean="0"/>
+              <a:t>Email</a:t>
+            </a:r>
+            <a:r>
+              <a:rPr lang="pt-BR" dirty="0"/>
+              <a:t>: </a:t>
+            </a:r>
+            <a:r>
+              <a:rPr lang="pt-BR" dirty="0" smtClean="0"/>
+              <a:t>       </a:t>
+            </a:r>
+            <a:r>
+              <a:rPr lang="pt-BR" dirty="0" smtClean="0">
+                <a:hlinkClick r:id="rId3"/>
+              </a:rPr>
+              <a:t>atatarnikov@hse.ru</a:t>
+            </a:r>
+            <a:endParaRPr lang="pt-BR" dirty="0" smtClean="0"/>
+          </a:p>
+          <a:p>
+            <a:pPr>
+              <a:defRPr/>
+            </a:pPr>
+            <a:r>
+              <a:rPr lang="pt-BR" dirty="0" smtClean="0"/>
+              <a:t>Telegram</a:t>
+            </a:r>
+            <a:r>
+              <a:rPr lang="pt-BR" dirty="0"/>
+              <a:t>: </a:t>
+            </a:r>
+            <a:r>
+              <a:rPr lang="en-US" u="sng" dirty="0">
+                <a:solidFill>
+                  <a:srgbClr val="0070C0"/>
+                </a:solidFill>
+                <a:cs typeface="Calibri" pitchFamily="34" charset="0"/>
+              </a:rPr>
+              <a:t>@andrewt0301</a:t>
+            </a:r>
+          </a:p>
+          <a:p>
+            <a:r>
+              <a:rPr lang="pt-BR" dirty="0" smtClean="0"/>
+              <a:t>LinkedIn:   </a:t>
+            </a:r>
+            <a:r>
+              <a:rPr lang="pt-BR" dirty="0">
+                <a:hlinkClick r:id="rId4"/>
+              </a:rPr>
+              <a:t>https://www.linkedin.com/in/andreitatarnikov</a:t>
+            </a:r>
+            <a:r>
+              <a:rPr lang="pt-BR" dirty="0" smtClean="0">
+                <a:hlinkClick r:id="rId4"/>
+              </a:rPr>
+              <a:t>/</a:t>
+            </a:r>
+            <a:endParaRPr lang="pt-BR" dirty="0" smtClean="0"/>
+          </a:p>
+          <a:p>
+            <a:r>
+              <a:rPr lang="pt-BR" dirty="0" smtClean="0"/>
+              <a:t>GitHub:     </a:t>
+            </a:r>
+            <a:r>
+              <a:rPr lang="pt-BR" dirty="0">
+                <a:hlinkClick r:id="rId5"/>
+              </a:rPr>
+              <a:t>https://</a:t>
+            </a:r>
+            <a:r>
+              <a:rPr lang="pt-BR" dirty="0" smtClean="0">
+                <a:hlinkClick r:id="rId5"/>
+              </a:rPr>
+              <a:t>github.com/andrewt0301</a:t>
+            </a:r>
+            <a:endParaRPr lang="pt-BR" dirty="0" smtClean="0"/>
+          </a:p>
+          <a:p>
+            <a:endParaRPr lang="pt-BR" dirty="0"/>
+          </a:p>
+          <a:p>
+            <a:endParaRPr lang="en-US" dirty="0"/>
+          </a:p>
+        </p:txBody>
+      </p:sp>
+      <p:sp>
+        <p:nvSpPr>
+          <p:cNvPr id="3" name="Slide Number Placeholder 2"/>
+          <p:cNvSpPr>
+            <a:spLocks noGrp="1"/>
+          </p:cNvSpPr>
+          <p:nvPr>
+            <p:ph type="sldNum" sz="quarter" idx="12"/>
+          </p:nvPr>
+        </p:nvSpPr>
+        <p:spPr/>
+        <p:txBody>
+          <a:bodyPr/>
+          <a:lstStyle/>
+          <a:p>
+            <a:pPr algn="ctr"/>
+            <a:fld id="{1397BFD8-F312-4EF2-A268-44FB4BDDBBB0}" type="slidenum">
+              <a:rPr lang="ru-RU" smtClean="0"/>
+              <a:pPr algn="ctr"/>
+              <a:t>3</a:t>
+            </a:fld>
+            <a:endParaRPr lang="ru-RU" dirty="0"/>
+          </a:p>
+        </p:txBody>
+      </p:sp>
+      <p:sp>
+        <p:nvSpPr>
+          <p:cNvPr id="4" name="Title 3"/>
+          <p:cNvSpPr>
+            <a:spLocks noGrp="1"/>
+          </p:cNvSpPr>
+          <p:nvPr>
+            <p:ph type="title"/>
+          </p:nvPr>
+        </p:nvSpPr>
+        <p:spPr/>
+        <p:txBody>
+          <a:bodyPr/>
+          <a:lstStyle/>
+          <a:p>
+            <a:r>
+              <a:rPr lang="en-US" dirty="0" smtClean="0"/>
+              <a:t>Course Staff</a:t>
+            </a:r>
+            <a:endParaRPr lang="en-US" dirty="0"/>
+          </a:p>
+        </p:txBody>
+      </p:sp>
+      <p:sp>
+        <p:nvSpPr>
+          <p:cNvPr id="5" name="TextBox 4"/>
+          <p:cNvSpPr txBox="1"/>
+          <p:nvPr/>
+        </p:nvSpPr>
+        <p:spPr>
+          <a:xfrm>
+            <a:off x="4767029" y="3260190"/>
+            <a:ext cx="2422568" cy="629392"/>
+          </a:xfrm>
+          <a:prstGeom prst="rect">
+            <a:avLst/>
+          </a:prstGeom>
+          <a:solidFill>
+            <a:schemeClr val="bg1"/>
+          </a:solidFill>
+        </p:spPr>
+        <p:txBody>
+          <a:bodyPr wrap="square" lIns="72000" tIns="25200" rIns="0" bIns="25200" rtlCol="0" anchor="ctr" anchorCtr="0">
+            <a:noAutofit/>
+          </a:bodyPr>
+          <a:lstStyle/>
+          <a:p>
+            <a:pPr algn="ctr"/>
+            <a:r>
+              <a:rPr lang="en-US" sz="2300" b="1" dirty="0" smtClean="0">
+                <a:solidFill>
+                  <a:srgbClr val="1E3272"/>
+                </a:solidFill>
+              </a:rPr>
+              <a:t>Andrei Tatarnikov</a:t>
+            </a:r>
+            <a:endParaRPr lang="ru-RU" sz="2300" b="1" dirty="0" smtClean="0">
+              <a:solidFill>
+                <a:srgbClr val="1E3272"/>
+              </a:solidFill>
+            </a:endParaRPr>
+          </a:p>
+        </p:txBody>
+      </p:sp>
+      <p:pic>
+        <p:nvPicPr>
+          <p:cNvPr id="6" name="Рисунок 5" descr="3727740.jpg"/>
+          <p:cNvPicPr>
+            <a:picLocks noChangeAspect="1"/>
+          </p:cNvPicPr>
+          <p:nvPr/>
+        </p:nvPicPr>
+        <p:blipFill>
+          <a:blip r:embed="rId6" cstate="print"/>
+          <a:srcRect l="4108" t="6573" r="7395" b="3287"/>
+          <a:stretch>
+            <a:fillRect/>
+          </a:stretch>
+        </p:blipFill>
+        <p:spPr>
+          <a:xfrm>
+            <a:off x="4983186" y="1236192"/>
+            <a:ext cx="2093848" cy="2132721"/>
+          </a:xfrm>
+          <a:prstGeom prst="rect">
+            <a:avLst/>
+          </a:prstGeom>
+        </p:spPr>
+      </p:pic>
+      <p:pic>
+        <p:nvPicPr>
+          <p:cNvPr id="1026" name="Picture 2" descr="SmartBear - YouTube"/>
+          <p:cNvPicPr>
+            <a:picLocks noChangeAspect="1" noChangeArrowheads="1"/>
+          </p:cNvPicPr>
+          <p:nvPr/>
+        </p:nvPicPr>
+        <p:blipFill>
+          <a:blip r:embed="rId7" cstate="print">
+            <a:extLst>
+              <a:ext uri="{28A0092B-C50C-407E-A947-70E740481C1C}">
+                <a14:useLocalDpi xmlns:a14="http://schemas.microsoft.com/office/drawing/2010/main" val="0"/>
+              </a:ext>
+            </a:extLst>
+          </a:blip>
+          <a:srcRect/>
+          <a:stretch>
+            <a:fillRect/>
+          </a:stretch>
+        </p:blipFill>
+        <p:spPr bwMode="auto">
+          <a:xfrm>
+            <a:off x="838200" y="1218469"/>
+            <a:ext cx="1285875" cy="1285875"/>
+          </a:xfrm>
+          <a:prstGeom prst="rect">
+            <a:avLst/>
+          </a:prstGeom>
+          <a:noFill/>
+          <a:extLst>
+            <a:ext uri="{909E8E84-426E-40DD-AFC4-6F175D3DCCD1}">
+              <a14:hiddenFill xmlns:a14="http://schemas.microsoft.com/office/drawing/2010/main">
+                <a:solidFill>
+                  <a:srgbClr val="FFFFFF"/>
+                </a:solidFill>
+              </a14:hiddenFill>
+            </a:ext>
+          </a:extLst>
+        </p:spPr>
+      </p:pic>
+      <p:pic>
+        <p:nvPicPr>
+          <p:cNvPr id="1028" name="Picture 4" descr="TALISMAN – Tracking and Learning Insights from Social Media Analysis"/>
+          <p:cNvPicPr>
+            <a:picLocks noChangeAspect="1" noChangeArrowheads="1"/>
+          </p:cNvPicPr>
+          <p:nvPr/>
+        </p:nvPicPr>
+        <p:blipFill>
+          <a:blip r:embed="rId8" cstate="print">
+            <a:extLst>
+              <a:ext uri="{28A0092B-C50C-407E-A947-70E740481C1C}">
+                <a14:useLocalDpi xmlns:a14="http://schemas.microsoft.com/office/drawing/2010/main" val="0"/>
+              </a:ext>
+            </a:extLst>
+          </a:blip>
+          <a:srcRect/>
+          <a:stretch>
+            <a:fillRect/>
+          </a:stretch>
+        </p:blipFill>
+        <p:spPr bwMode="auto">
+          <a:xfrm>
+            <a:off x="2365910" y="1532079"/>
+            <a:ext cx="1676400" cy="442849"/>
+          </a:xfrm>
+          <a:prstGeom prst="rect">
+            <a:avLst/>
+          </a:prstGeom>
+          <a:noFill/>
+          <a:extLst>
+            <a:ext uri="{909E8E84-426E-40DD-AFC4-6F175D3DCCD1}">
+              <a14:hiddenFill xmlns:a14="http://schemas.microsoft.com/office/drawing/2010/main">
+                <a:solidFill>
+                  <a:srgbClr val="FFFFFF"/>
+                </a:solidFill>
+              </a14:hiddenFill>
+            </a:ext>
+          </a:extLst>
+        </p:spPr>
+      </p:pic>
+      <p:pic>
+        <p:nvPicPr>
+          <p:cNvPr id="1032" name="Picture 8" descr="1С — Википедия"/>
+          <p:cNvPicPr>
+            <a:picLocks noChangeAspect="1" noChangeArrowheads="1"/>
+          </p:cNvPicPr>
+          <p:nvPr/>
+        </p:nvPicPr>
+        <p:blipFill>
+          <a:blip r:embed="rId9" cstate="print">
+            <a:extLst>
+              <a:ext uri="{28A0092B-C50C-407E-A947-70E740481C1C}">
+                <a14:useLocalDpi xmlns:a14="http://schemas.microsoft.com/office/drawing/2010/main" val="0"/>
+              </a:ext>
+            </a:extLst>
+          </a:blip>
+          <a:srcRect/>
+          <a:stretch>
+            <a:fillRect/>
+          </a:stretch>
+        </p:blipFill>
+        <p:spPr bwMode="auto">
+          <a:xfrm>
+            <a:off x="7527574" y="1504889"/>
+            <a:ext cx="1463040" cy="713232"/>
+          </a:xfrm>
+          <a:prstGeom prst="rect">
+            <a:avLst/>
+          </a:prstGeom>
+          <a:noFill/>
+          <a:extLst>
+            <a:ext uri="{909E8E84-426E-40DD-AFC4-6F175D3DCCD1}">
+              <a14:hiddenFill xmlns:a14="http://schemas.microsoft.com/office/drawing/2010/main">
+                <a:solidFill>
+                  <a:srgbClr val="FFFFFF"/>
+                </a:solidFill>
+              </a14:hiddenFill>
+            </a:ext>
+          </a:extLst>
+        </p:spPr>
+      </p:pic>
+      <p:pic>
+        <p:nvPicPr>
+          <p:cNvPr id="1034" name="Picture 10" descr="Huawei Logo | CompuWay"/>
+          <p:cNvPicPr>
+            <a:picLocks noChangeAspect="1" noChangeArrowheads="1"/>
+          </p:cNvPicPr>
+          <p:nvPr/>
+        </p:nvPicPr>
+        <p:blipFill>
+          <a:blip r:embed="rId10" cstate="print">
+            <a:extLst>
+              <a:ext uri="{28A0092B-C50C-407E-A947-70E740481C1C}">
+                <a14:useLocalDpi xmlns:a14="http://schemas.microsoft.com/office/drawing/2010/main" val="0"/>
+              </a:ext>
+            </a:extLst>
+          </a:blip>
+          <a:srcRect/>
+          <a:stretch>
+            <a:fillRect/>
+          </a:stretch>
+        </p:blipFill>
+        <p:spPr bwMode="auto">
+          <a:xfrm>
+            <a:off x="9691523" y="1108344"/>
+            <a:ext cx="1429457" cy="1381948"/>
+          </a:xfrm>
+          <a:prstGeom prst="rect">
+            <a:avLst/>
+          </a:prstGeom>
+          <a:noFill/>
+          <a:extLst>
+            <a:ext uri="{909E8E84-426E-40DD-AFC4-6F175D3DCCD1}">
+              <a14:hiddenFill xmlns:a14="http://schemas.microsoft.com/office/drawing/2010/main">
+                <a:solidFill>
+                  <a:srgbClr val="FFFFFF"/>
+                </a:solidFill>
+              </a14:hiddenFill>
+            </a:ext>
+          </a:extLst>
+        </p:spPr>
+      </p:pic>
+      <p:pic>
+        <p:nvPicPr>
+          <p:cNvPr id="8" name="Picture 7"/>
+          <p:cNvPicPr>
+            <a:picLocks noChangeAspect="1"/>
+          </p:cNvPicPr>
+          <p:nvPr/>
+        </p:nvPicPr>
+        <p:blipFill>
+          <a:blip r:embed="rId11">
+            <a:extLst>
+              <a:ext uri="{28A0092B-C50C-407E-A947-70E740481C1C}">
+                <a14:useLocalDpi xmlns:a14="http://schemas.microsoft.com/office/drawing/2010/main" val="0"/>
+              </a:ext>
+            </a:extLst>
+          </a:blip>
+          <a:stretch>
+            <a:fillRect/>
+          </a:stretch>
+        </p:blipFill>
+        <p:spPr>
+          <a:xfrm>
+            <a:off x="8737498" y="2560555"/>
+            <a:ext cx="1092994" cy="1092994"/>
+          </a:xfrm>
+          <a:prstGeom prst="rect">
+            <a:avLst/>
+          </a:prstGeom>
+        </p:spPr>
+      </p:pic>
+      <p:pic>
+        <p:nvPicPr>
+          <p:cNvPr id="9" name="Picture 8"/>
+          <p:cNvPicPr>
+            <a:picLocks noChangeAspect="1"/>
+          </p:cNvPicPr>
+          <p:nvPr/>
+        </p:nvPicPr>
+        <p:blipFill>
+          <a:blip r:embed="rId12" cstate="print">
+            <a:extLst>
+              <a:ext uri="{28A0092B-C50C-407E-A947-70E740481C1C}">
+                <a14:useLocalDpi xmlns:a14="http://schemas.microsoft.com/office/drawing/2010/main" val="0"/>
+              </a:ext>
+            </a:extLst>
+          </a:blip>
+          <a:stretch>
+            <a:fillRect/>
+          </a:stretch>
+        </p:blipFill>
+        <p:spPr>
+          <a:xfrm>
+            <a:off x="2051576" y="2408541"/>
+            <a:ext cx="1054989" cy="1359599"/>
+          </a:xfrm>
+          <a:prstGeom prst="rect">
+            <a:avLst/>
+          </a:prstGeom>
+        </p:spPr>
+      </p:pic>
+    </p:spTree>
+    <p:extLst>
+      <p:ext uri="{BB962C8B-B14F-4D97-AF65-F5344CB8AC3E}">
+        <p14:creationId xmlns:p14="http://schemas.microsoft.com/office/powerpoint/2010/main" val="2890338053"/>
+      </p:ext>
+    </p:extLst>
+  </p:cSld>
+  <p:clrMapOvr>
+    <a:masterClrMapping/>
+  </p:clrMapOvr>
+</p:sld>
+</file>
+
+<file path=ppt/slides/slide4.xml><?xml version="1.0" encoding="utf-8"?>
+<p:sld xmlns:a="http://schemas.openxmlformats.org/drawingml/2006/main" xmlns:r="http://schemas.openxmlformats.org/officeDocument/2006/relationships" xmlns:p="http://schemas.openxmlformats.org/presentationml/2006/main">
+  <p:cSld>
+    <p:spTree>
+      <p:nvGrpSpPr>
+        <p:cNvPr id="1" name=""/>
+        <p:cNvGrpSpPr/>
+        <p:nvPr/>
+      </p:nvGrpSpPr>
+      <p:grpSpPr>
+        <a:xfrm>
+          <a:off x="0" y="0"/>
+          <a:ext cx="0" cy="0"/>
+          <a:chOff x="0" y="0"/>
+          <a:chExt cx="0" cy="0"/>
+        </a:xfrm>
+      </p:grpSpPr>
+      <p:sp>
+        <p:nvSpPr>
+          <p:cNvPr id="2" name="Содержимое 1"/>
+          <p:cNvSpPr>
+            <a:spLocks noGrp="1"/>
+          </p:cNvSpPr>
+          <p:nvPr>
+            <p:ph idx="1"/>
+          </p:nvPr>
+        </p:nvSpPr>
+        <p:spPr/>
+        <p:txBody>
+          <a:bodyPr>
+            <a:normAutofit/>
+          </a:bodyPr>
+          <a:lstStyle/>
+          <a:p>
+            <a:pPr marL="0" indent="0" algn="ctr">
+              <a:buNone/>
+            </a:pPr>
+            <a:r>
+              <a:rPr lang="en-US" b="1" dirty="0" smtClean="0"/>
+              <a:t>Course Contents</a:t>
+            </a:r>
+            <a:endParaRPr lang="en-US" b="1" dirty="0">
+              <a:hlinkClick r:id="rId2"/>
+            </a:endParaRPr>
+          </a:p>
+          <a:p>
+            <a:pPr marL="0" indent="0" algn="ctr">
+              <a:buNone/>
+            </a:pPr>
+            <a:r>
+              <a:rPr lang="en-US" sz="3200" dirty="0" smtClean="0">
+                <a:hlinkClick r:id="rId2"/>
+              </a:rPr>
+              <a:t>https</a:t>
+            </a:r>
+            <a:r>
+              <a:rPr lang="en-US" sz="3200" dirty="0">
+                <a:hlinkClick r:id="rId2"/>
+              </a:rPr>
+              <a:t>://andrewt0301.github.io/static-analysis-course</a:t>
+            </a:r>
+            <a:r>
+              <a:rPr lang="en-US" sz="3200" dirty="0" smtClean="0">
+                <a:hlinkClick r:id="rId2"/>
+              </a:rPr>
+              <a:t>/</a:t>
+            </a:r>
+            <a:endParaRPr lang="en-US" sz="3200" dirty="0" smtClean="0"/>
+          </a:p>
+          <a:p>
+            <a:endParaRPr lang="en-US" sz="3200" dirty="0"/>
+          </a:p>
+          <a:p>
+            <a:r>
+              <a:rPr lang="en-US" sz="3200" b="1" dirty="0" smtClean="0"/>
+              <a:t>15</a:t>
+            </a:r>
+            <a:r>
+              <a:rPr lang="en-US" sz="3200" dirty="0" smtClean="0"/>
+              <a:t> </a:t>
+            </a:r>
+            <a:r>
+              <a:rPr lang="en-US" sz="3200" dirty="0"/>
+              <a:t>L</a:t>
+            </a:r>
+            <a:r>
+              <a:rPr lang="en-US" sz="3200" dirty="0" smtClean="0"/>
+              <a:t>ectures and </a:t>
+            </a:r>
+            <a:r>
+              <a:rPr lang="en-US" sz="3200" b="1" dirty="0" smtClean="0"/>
+              <a:t>15</a:t>
+            </a:r>
+            <a:r>
+              <a:rPr lang="en-US" sz="3200" dirty="0" smtClean="0"/>
+              <a:t> Workshops</a:t>
+            </a:r>
+          </a:p>
+          <a:p>
+            <a:r>
+              <a:rPr lang="en-US" sz="3200" dirty="0" smtClean="0"/>
+              <a:t>Spoken Exam: </a:t>
+            </a:r>
+            <a:r>
+              <a:rPr lang="en-US" sz="3200" b="1" dirty="0" smtClean="0"/>
+              <a:t>0-10 Points</a:t>
+            </a:r>
+          </a:p>
+          <a:p>
+            <a:r>
+              <a:rPr lang="en-US" sz="3200" dirty="0" smtClean="0"/>
+              <a:t>Bonus Points for Presentation at Workshop: </a:t>
+            </a:r>
+            <a:r>
+              <a:rPr lang="en-US" sz="3200" b="1" dirty="0" smtClean="0"/>
+              <a:t>+1 Point </a:t>
+            </a:r>
+            <a:r>
+              <a:rPr lang="en-US" sz="3200" b="1" dirty="0"/>
+              <a:t>E</a:t>
+            </a:r>
+            <a:r>
+              <a:rPr lang="en-US" sz="3200" b="1" dirty="0" smtClean="0"/>
+              <a:t>ach</a:t>
+            </a:r>
+            <a:endParaRPr lang="ru-RU" sz="3200" b="1" dirty="0"/>
+          </a:p>
+        </p:txBody>
+      </p:sp>
+      <p:sp>
+        <p:nvSpPr>
+          <p:cNvPr id="3" name="Номер слайда 2"/>
+          <p:cNvSpPr>
+            <a:spLocks noGrp="1"/>
+          </p:cNvSpPr>
+          <p:nvPr>
+            <p:ph type="sldNum" sz="quarter" idx="12"/>
+          </p:nvPr>
+        </p:nvSpPr>
+        <p:spPr/>
+        <p:txBody>
+          <a:bodyPr/>
+          <a:lstStyle/>
+          <a:p>
+            <a:pPr algn="ctr"/>
+            <a:fld id="{1397BFD8-F312-4EF2-A268-44FB4BDDBBB0}" type="slidenum">
+              <a:rPr lang="ru-RU" smtClean="0"/>
+              <a:pPr algn="ctr"/>
+              <a:t>4</a:t>
+            </a:fld>
+            <a:endParaRPr lang="ru-RU" dirty="0"/>
+          </a:p>
+        </p:txBody>
+      </p:sp>
+      <p:sp>
+        <p:nvSpPr>
+          <p:cNvPr id="4" name="Заголовок 3"/>
+          <p:cNvSpPr>
+            <a:spLocks noGrp="1"/>
+          </p:cNvSpPr>
+          <p:nvPr>
+            <p:ph type="title"/>
+          </p:nvPr>
+        </p:nvSpPr>
+        <p:spPr/>
+        <p:txBody>
+          <a:bodyPr/>
+          <a:lstStyle/>
+          <a:p>
+            <a:r>
+              <a:rPr lang="en-US" dirty="0" smtClean="0"/>
+              <a:t>Course Outline</a:t>
+            </a:r>
+            <a:endParaRPr lang="ru-RU" dirty="0"/>
+          </a:p>
+        </p:txBody>
+      </p:sp>
+    </p:spTree>
+  </p:cSld>
+  <p:clrMapOvr>
+    <a:masterClrMapping/>
+  </p:clrMapOvr>
+</p:sld>
+</file>
+
+<file path=ppt/slides/slide5.xml><?xml version="1.0" encoding="utf-8"?>
+<p:sld xmlns:a="http://schemas.openxmlformats.org/drawingml/2006/main" xmlns:r="http://schemas.openxmlformats.org/officeDocument/2006/relationships" xmlns:p="http://schemas.openxmlformats.org/presentationml/2006/main">
+  <p:cSld>
+    <p:spTree>
+      <p:nvGrpSpPr>
+        <p:cNvPr id="1" name=""/>
+        <p:cNvGrpSpPr/>
+        <p:nvPr/>
+      </p:nvGrpSpPr>
+      <p:grpSpPr>
+        <a:xfrm>
+          <a:off x="0" y="0"/>
+          <a:ext cx="0" cy="0"/>
+          <a:chOff x="0" y="0"/>
+          <a:chExt cx="0" cy="0"/>
+        </a:xfrm>
+      </p:grpSpPr>
+      <p:sp>
+        <p:nvSpPr>
+          <p:cNvPr id="2" name="Content Placeholder 1"/>
+          <p:cNvSpPr>
+            <a:spLocks noGrp="1"/>
+          </p:cNvSpPr>
+          <p:nvPr>
+            <p:ph idx="1"/>
+          </p:nvPr>
+        </p:nvSpPr>
+        <p:spPr>
+          <a:xfrm>
+            <a:off x="838200" y="1178053"/>
+            <a:ext cx="10515600" cy="4874878"/>
+          </a:xfrm>
+        </p:spPr>
+        <p:txBody>
+          <a:bodyPr>
+            <a:normAutofit fontScale="92500"/>
+          </a:bodyPr>
+          <a:lstStyle/>
+          <a:p>
+            <a:pPr>
+              <a:lnSpc>
+                <a:spcPct val="100000"/>
+              </a:lnSpc>
+              <a:spcAft>
+                <a:spcPts val="1000"/>
+              </a:spcAft>
+            </a:pPr>
+            <a:r>
+              <a:rPr lang="en-US" sz="4000" dirty="0"/>
+              <a:t>Increase your computer literacy</a:t>
+            </a:r>
+          </a:p>
+          <a:p>
+            <a:pPr>
+              <a:lnSpc>
+                <a:spcPct val="100000"/>
+              </a:lnSpc>
+              <a:spcAft>
+                <a:spcPts val="1000"/>
+              </a:spcAft>
+            </a:pPr>
+            <a:r>
+              <a:rPr lang="en-US" sz="4000" dirty="0" smtClean="0"/>
+              <a:t>Improve understanding of languages and compilers</a:t>
+            </a:r>
+          </a:p>
+          <a:p>
+            <a:pPr>
+              <a:lnSpc>
+                <a:spcPct val="100000"/>
+              </a:lnSpc>
+              <a:spcAft>
+                <a:spcPts val="1000"/>
+              </a:spcAft>
+            </a:pPr>
+            <a:r>
+              <a:rPr lang="en-US" sz="4000" dirty="0" smtClean="0"/>
+              <a:t>Understand modern static analysis problems and techniques</a:t>
+            </a:r>
+          </a:p>
+          <a:p>
+            <a:pPr>
+              <a:lnSpc>
+                <a:spcPct val="100000"/>
+              </a:lnSpc>
+              <a:spcAft>
+                <a:spcPts val="1000"/>
+              </a:spcAft>
+            </a:pPr>
+            <a:r>
+              <a:rPr lang="en-US" sz="4000" dirty="0" smtClean="0"/>
+              <a:t>Be able to use static analysis tools in your projects</a:t>
+            </a:r>
+          </a:p>
+          <a:p>
+            <a:pPr>
+              <a:lnSpc>
+                <a:spcPct val="100000"/>
+              </a:lnSpc>
+              <a:spcAft>
+                <a:spcPts val="1000"/>
+              </a:spcAft>
+            </a:pPr>
+            <a:r>
+              <a:rPr lang="en-US" sz="4000" dirty="0" smtClean="0"/>
+              <a:t>Learn how to create static analysis tools</a:t>
+            </a:r>
+            <a:endParaRPr lang="en-US" dirty="0"/>
+          </a:p>
+        </p:txBody>
+      </p:sp>
+      <p:sp>
+        <p:nvSpPr>
+          <p:cNvPr id="3" name="Slide Number Placeholder 2"/>
+          <p:cNvSpPr>
+            <a:spLocks noGrp="1"/>
+          </p:cNvSpPr>
+          <p:nvPr>
+            <p:ph type="sldNum" sz="quarter" idx="12"/>
+          </p:nvPr>
+        </p:nvSpPr>
+        <p:spPr/>
+        <p:txBody>
+          <a:bodyPr/>
+          <a:lstStyle/>
+          <a:p>
+            <a:pPr algn="ctr"/>
+            <a:fld id="{1397BFD8-F312-4EF2-A268-44FB4BDDBBB0}" type="slidenum">
+              <a:rPr lang="ru-RU" smtClean="0"/>
+              <a:pPr algn="ctr"/>
+              <a:t>5</a:t>
+            </a:fld>
+            <a:endParaRPr lang="ru-RU" dirty="0"/>
+          </a:p>
+        </p:txBody>
+      </p:sp>
+      <p:sp>
+        <p:nvSpPr>
+          <p:cNvPr id="4" name="Title 3"/>
+          <p:cNvSpPr>
+            <a:spLocks noGrp="1"/>
+          </p:cNvSpPr>
+          <p:nvPr>
+            <p:ph type="title"/>
+          </p:nvPr>
+        </p:nvSpPr>
+        <p:spPr/>
+        <p:txBody>
+          <a:bodyPr/>
+          <a:lstStyle/>
+          <a:p>
+            <a:r>
+              <a:rPr lang="en-US" dirty="0" smtClean="0"/>
+              <a:t>Course Motivation</a:t>
+            </a:r>
+            <a:endParaRPr lang="en-US" dirty="0"/>
+          </a:p>
+        </p:txBody>
+      </p:sp>
+    </p:spTree>
+    <p:extLst>
+      <p:ext uri="{BB962C8B-B14F-4D97-AF65-F5344CB8AC3E}">
+        <p14:creationId xmlns:p14="http://schemas.microsoft.com/office/powerpoint/2010/main" val="4009216919"/>
+      </p:ext>
+    </p:extLst>
+  </p:cSld>
+  <p:clrMapOvr>
+    <a:masterClrMapping/>
+  </p:clrMapOvr>
+</p:sld>
+</file>
+
+<file path=ppt/slides/slide6.xml><?xml version="1.0" encoding="utf-8"?>
+<p:sld xmlns:a="http://schemas.openxmlformats.org/drawingml/2006/main" xmlns:r="http://schemas.openxmlformats.org/officeDocument/2006/relationships" xmlns:p="http://schemas.openxmlformats.org/presentationml/2006/main">
+  <p:cSld>
+    <p:spTree>
+      <p:nvGrpSpPr>
+        <p:cNvPr id="1" name=""/>
+        <p:cNvGrpSpPr/>
+        <p:nvPr/>
+      </p:nvGrpSpPr>
+      <p:grpSpPr>
+        <a:xfrm>
+          <a:off x="0" y="0"/>
+          <a:ext cx="0" cy="0"/>
+          <a:chOff x="0" y="0"/>
+          <a:chExt cx="0" cy="0"/>
+        </a:xfrm>
+      </p:grpSpPr>
+      <p:sp>
+        <p:nvSpPr>
+          <p:cNvPr id="2" name="Content Placeholder 1"/>
+          <p:cNvSpPr>
+            <a:spLocks noGrp="1"/>
+          </p:cNvSpPr>
+          <p:nvPr>
+            <p:ph idx="1"/>
+          </p:nvPr>
+        </p:nvSpPr>
+        <p:spPr/>
+        <p:txBody>
+          <a:bodyPr/>
+          <a:lstStyle/>
+          <a:p>
+            <a:pPr marL="0" indent="0" algn="just">
+              <a:buNone/>
+            </a:pPr>
+            <a:r>
+              <a:rPr lang="en-US" b="1" dirty="0"/>
+              <a:t>Static </a:t>
+            </a:r>
+            <a:r>
+              <a:rPr lang="en-US" b="1" dirty="0" smtClean="0"/>
+              <a:t>Program Analysis </a:t>
+            </a:r>
+            <a:r>
+              <a:rPr lang="en-US" dirty="0"/>
+              <a:t>is a method that allows developers to ensure code quality without running </a:t>
+            </a:r>
+            <a:r>
+              <a:rPr lang="en-US" dirty="0" smtClean="0"/>
+              <a:t>it. Modern </a:t>
+            </a:r>
+            <a:r>
+              <a:rPr lang="en-US" dirty="0"/>
+              <a:t>software companies use a variety of </a:t>
+            </a:r>
+            <a:r>
+              <a:rPr lang="en-US"/>
+              <a:t>static </a:t>
+            </a:r>
+            <a:r>
+              <a:rPr lang="en-US" smtClean="0"/>
+              <a:t>program analysis </a:t>
+            </a:r>
+            <a:r>
+              <a:rPr lang="en-US" dirty="0"/>
+              <a:t>tools and even create their </a:t>
+            </a:r>
+            <a:r>
+              <a:rPr lang="en-US" dirty="0" smtClean="0"/>
+              <a:t>solutions to </a:t>
+            </a:r>
+            <a:r>
+              <a:rPr lang="en-US" dirty="0"/>
+              <a:t>cover specific requirements</a:t>
+            </a:r>
+            <a:r>
+              <a:rPr lang="en-US" dirty="0" smtClean="0"/>
+              <a:t>.</a:t>
+            </a:r>
+            <a:endParaRPr lang="en-US" dirty="0"/>
+          </a:p>
+        </p:txBody>
+      </p:sp>
+      <p:sp>
+        <p:nvSpPr>
+          <p:cNvPr id="3" name="Slide Number Placeholder 2"/>
+          <p:cNvSpPr>
+            <a:spLocks noGrp="1"/>
+          </p:cNvSpPr>
+          <p:nvPr>
+            <p:ph type="sldNum" sz="quarter" idx="12"/>
+          </p:nvPr>
+        </p:nvSpPr>
+        <p:spPr/>
+        <p:txBody>
+          <a:bodyPr/>
+          <a:lstStyle/>
+          <a:p>
+            <a:pPr algn="ctr"/>
+            <a:fld id="{1397BFD8-F312-4EF2-A268-44FB4BDDBBB0}" type="slidenum">
+              <a:rPr lang="ru-RU" smtClean="0"/>
+              <a:pPr algn="ctr"/>
+              <a:t>6</a:t>
+            </a:fld>
+            <a:endParaRPr lang="ru-RU" dirty="0"/>
+          </a:p>
+        </p:txBody>
+      </p:sp>
+      <p:sp>
+        <p:nvSpPr>
+          <p:cNvPr id="4" name="Title 3"/>
+          <p:cNvSpPr>
+            <a:spLocks noGrp="1"/>
+          </p:cNvSpPr>
+          <p:nvPr>
+            <p:ph type="title"/>
+          </p:nvPr>
+        </p:nvSpPr>
+        <p:spPr/>
+        <p:txBody>
+          <a:bodyPr/>
+          <a:lstStyle/>
+          <a:p>
+            <a:r>
+              <a:rPr lang="en-US" dirty="0" smtClean="0"/>
+              <a:t>What is Static Program Analysis</a:t>
+            </a:r>
+            <a:endParaRPr lang="en-US" dirty="0"/>
+          </a:p>
+        </p:txBody>
+      </p:sp>
+    </p:spTree>
+    <p:extLst>
+      <p:ext uri="{BB962C8B-B14F-4D97-AF65-F5344CB8AC3E}">
+        <p14:creationId xmlns:p14="http://schemas.microsoft.com/office/powerpoint/2010/main" val="635509299"/>
+      </p:ext>
+    </p:extLst>
+  </p:cSld>
+  <p:clrMapOvr>
+    <a:masterClrMapping/>
+  </p:clrMapOvr>
+</p:sld>
+</file>
+
+<file path=ppt/slides/slide7.xml><?xml version="1.0" encoding="utf-8"?>
+<p:sld xmlns:a="http://schemas.openxmlformats.org/drawingml/2006/main" xmlns:r="http://schemas.openxmlformats.org/officeDocument/2006/relationships" xmlns:p="http://schemas.openxmlformats.org/presentationml/2006/main">
+  <p:cSld>
+    <p:spTree>
+      <p:nvGrpSpPr>
+        <p:cNvPr id="1" name=""/>
+        <p:cNvGrpSpPr/>
+        <p:nvPr/>
+      </p:nvGrpSpPr>
+      <p:grpSpPr>
+        <a:xfrm>
+          <a:off x="0" y="0"/>
+          <a:ext cx="0" cy="0"/>
+          <a:chOff x="0" y="0"/>
+          <a:chExt cx="0" cy="0"/>
+        </a:xfrm>
+      </p:grpSpPr>
+      <p:sp>
+        <p:nvSpPr>
           <p:cNvPr id="4" name="Прямоугольник 3"/>
           <p:cNvSpPr/>
           <p:nvPr/>
@@ -4848,7 +6027,7 @@
             <a:fld id="{1397BFD8-F312-4EF2-A268-44FB4BDDBBB0}" type="slidenum">
               <a:rPr lang="ru-RU" smtClean="0"/>
               <a:pPr algn="ctr"/>
-              <a:t>3</a:t>
+              <a:t>7</a:t>
             </a:fld>
             <a:endParaRPr lang="ru-RU" dirty="0"/>
           </a:p>

--- a/docs/lectures/01/slides_01.pptx
+++ b/docs/lectures/01/slides_01.pptx
@@ -5,10 +5,10 @@
     <p:sldMasterId id="2147483648" r:id="rId1"/>
   </p:sldMasterIdLst>
   <p:notesMasterIdLst>
-    <p:notesMasterId r:id="rId9"/>
+    <p:notesMasterId r:id="rId12"/>
   </p:notesMasterIdLst>
   <p:handoutMasterIdLst>
-    <p:handoutMasterId r:id="rId10"/>
+    <p:handoutMasterId r:id="rId13"/>
   </p:handoutMasterIdLst>
   <p:sldIdLst>
     <p:sldId id="256" r:id="rId2"/>
@@ -17,7 +17,10 @@
     <p:sldId id="273" r:id="rId5"/>
     <p:sldId id="276" r:id="rId6"/>
     <p:sldId id="277" r:id="rId7"/>
-    <p:sldId id="272" r:id="rId8"/>
+    <p:sldId id="278" r:id="rId8"/>
+    <p:sldId id="280" r:id="rId9"/>
+    <p:sldId id="279" r:id="rId10"/>
+    <p:sldId id="272" r:id="rId11"/>
   </p:sldIdLst>
   <p:sldSz cx="12192000" cy="6858000"/>
   <p:notesSz cx="6858000" cy="9144000"/>
@@ -905,7 +908,7 @@
             <a:fld id="{5583B3A5-99BF-45D9-956B-DC57CC23AD97}" type="slidenum">
               <a:rPr lang="ru-RU" smtClean="0"/>
               <a:pPr/>
-              <a:t>7</a:t>
+              <a:t>10</a:t>
             </a:fld>
             <a:endParaRPr lang="ru-RU"/>
           </a:p>
@@ -4205,6 +4208,587 @@
 </p:sld>
 </file>
 
+<file path=ppt/slides/slide10.xml><?xml version="1.0" encoding="utf-8"?>
+<p:sld xmlns:a="http://schemas.openxmlformats.org/drawingml/2006/main" xmlns:r="http://schemas.openxmlformats.org/officeDocument/2006/relationships" xmlns:p="http://schemas.openxmlformats.org/presentationml/2006/main">
+  <p:cSld>
+    <p:spTree>
+      <p:nvGrpSpPr>
+        <p:cNvPr id="1" name=""/>
+        <p:cNvGrpSpPr/>
+        <p:nvPr/>
+      </p:nvGrpSpPr>
+      <p:grpSpPr>
+        <a:xfrm>
+          <a:off x="0" y="0"/>
+          <a:ext cx="0" cy="0"/>
+          <a:chOff x="0" y="0"/>
+          <a:chExt cx="0" cy="0"/>
+        </a:xfrm>
+      </p:grpSpPr>
+      <p:sp>
+        <p:nvSpPr>
+          <p:cNvPr id="4" name="Прямоугольник 3"/>
+          <p:cNvSpPr/>
+          <p:nvPr/>
+        </p:nvSpPr>
+        <p:spPr>
+          <a:xfrm>
+            <a:off x="2664999" y="472120"/>
+            <a:ext cx="7524751" cy="5262979"/>
+          </a:xfrm>
+          <a:prstGeom prst="rect">
+            <a:avLst/>
+          </a:prstGeom>
+          <a:noFill/>
+          <a:ln>
+            <a:noFill/>
+          </a:ln>
+          <a:scene3d>
+            <a:camera prst="perspectiveRelaxed"/>
+            <a:lightRig rig="threePt" dir="t"/>
+          </a:scene3d>
+        </p:spPr>
+        <p:txBody>
+          <a:bodyPr wrap="square" lIns="91440" tIns="45720" rIns="91440" bIns="45720">
+            <a:spAutoFit/>
+          </a:bodyPr>
+          <a:lstStyle/>
+          <a:p>
+            <a:r>
+              <a:rPr lang="en-US" sz="2400" dirty="0" smtClean="0">
+                <a:ln w="0"/>
+                <a:solidFill>
+                  <a:srgbClr val="273272"/>
+                </a:solidFill>
+                <a:effectLst>
+                  <a:reflection blurRad="6350" stA="53000" endA="300" endPos="35500" dir="5400000" sy="-90000" algn="bl" rotWithShape="0"/>
+                </a:effectLst>
+                <a:latin typeface="Courier New" pitchFamily="49" charset="0"/>
+                <a:cs typeface="Courier New" pitchFamily="49" charset="0"/>
+              </a:rPr>
+              <a:t>		</a:t>
+            </a:r>
+          </a:p>
+          <a:p>
+            <a:r>
+              <a:rPr lang="en-US" sz="2400" dirty="0" smtClean="0">
+                <a:ln w="0"/>
+                <a:solidFill>
+                  <a:srgbClr val="273272"/>
+                </a:solidFill>
+                <a:effectLst>
+                  <a:reflection blurRad="6350" stA="53000" endA="300" endPos="35500" dir="5400000" sy="-90000" algn="bl" rotWithShape="0"/>
+                </a:effectLst>
+                <a:latin typeface="Courier New" pitchFamily="49" charset="0"/>
+                <a:cs typeface="Courier New" pitchFamily="49" charset="0"/>
+              </a:rPr>
+              <a:t>		.text</a:t>
+            </a:r>
+          </a:p>
+          <a:p>
+            <a:r>
+              <a:rPr lang="en-US" sz="2400" dirty="0" smtClean="0">
+                <a:ln w="0"/>
+                <a:solidFill>
+                  <a:srgbClr val="273272"/>
+                </a:solidFill>
+                <a:effectLst>
+                  <a:reflection blurRad="6350" stA="53000" endA="300" endPos="35500" dir="5400000" sy="-90000" algn="bl" rotWithShape="0"/>
+                </a:effectLst>
+                <a:latin typeface="Courier New" pitchFamily="49" charset="0"/>
+                <a:cs typeface="Courier New" pitchFamily="49" charset="0"/>
+              </a:rPr>
+              <a:t>__start:	</a:t>
+            </a:r>
+            <a:r>
+              <a:rPr lang="en-US" sz="2400" dirty="0" err="1" smtClean="0">
+                <a:ln w="0"/>
+                <a:solidFill>
+                  <a:srgbClr val="273272"/>
+                </a:solidFill>
+                <a:effectLst>
+                  <a:reflection blurRad="6350" stA="53000" endA="300" endPos="35500" dir="5400000" sy="-90000" algn="bl" rotWithShape="0"/>
+                </a:effectLst>
+                <a:latin typeface="Courier New" pitchFamily="49" charset="0"/>
+                <a:cs typeface="Courier New" pitchFamily="49" charset="0"/>
+              </a:rPr>
+              <a:t>addi</a:t>
+            </a:r>
+            <a:r>
+              <a:rPr lang="en-US" sz="2400" dirty="0" smtClean="0">
+                <a:ln w="0"/>
+                <a:solidFill>
+                  <a:srgbClr val="273272"/>
+                </a:solidFill>
+                <a:effectLst>
+                  <a:reflection blurRad="6350" stA="53000" endA="300" endPos="35500" dir="5400000" sy="-90000" algn="bl" rotWithShape="0"/>
+                </a:effectLst>
+                <a:latin typeface="Courier New" pitchFamily="49" charset="0"/>
+                <a:cs typeface="Courier New" pitchFamily="49" charset="0"/>
+              </a:rPr>
+              <a:t> t1, zero, 0x18</a:t>
+            </a:r>
+          </a:p>
+          <a:p>
+            <a:r>
+              <a:rPr lang="en-US" sz="2400" dirty="0" smtClean="0">
+                <a:ln w="0"/>
+                <a:solidFill>
+                  <a:srgbClr val="273272"/>
+                </a:solidFill>
+                <a:effectLst>
+                  <a:reflection blurRad="6350" stA="53000" endA="300" endPos="35500" dir="5400000" sy="-90000" algn="bl" rotWithShape="0"/>
+                </a:effectLst>
+                <a:latin typeface="Courier New" pitchFamily="49" charset="0"/>
+                <a:cs typeface="Courier New" pitchFamily="49" charset="0"/>
+              </a:rPr>
+              <a:t>		</a:t>
+            </a:r>
+            <a:r>
+              <a:rPr lang="en-US" sz="2400" dirty="0" err="1" smtClean="0">
+                <a:ln w="0"/>
+                <a:solidFill>
+                  <a:srgbClr val="273272"/>
+                </a:solidFill>
+                <a:effectLst>
+                  <a:reflection blurRad="6350" stA="53000" endA="300" endPos="35500" dir="5400000" sy="-90000" algn="bl" rotWithShape="0"/>
+                </a:effectLst>
+                <a:latin typeface="Courier New" pitchFamily="49" charset="0"/>
+                <a:cs typeface="Courier New" pitchFamily="49" charset="0"/>
+              </a:rPr>
+              <a:t>addi</a:t>
+            </a:r>
+            <a:r>
+              <a:rPr lang="en-US" sz="2400" dirty="0" smtClean="0">
+                <a:ln w="0"/>
+                <a:solidFill>
+                  <a:srgbClr val="273272"/>
+                </a:solidFill>
+                <a:effectLst>
+                  <a:reflection blurRad="6350" stA="53000" endA="300" endPos="35500" dir="5400000" sy="-90000" algn="bl" rotWithShape="0"/>
+                </a:effectLst>
+                <a:latin typeface="Courier New" pitchFamily="49" charset="0"/>
+                <a:cs typeface="Courier New" pitchFamily="49" charset="0"/>
+              </a:rPr>
+              <a:t> t2, zero, 0x21</a:t>
+            </a:r>
+          </a:p>
+          <a:p>
+            <a:r>
+              <a:rPr lang="en-US" sz="2400" dirty="0" smtClean="0">
+                <a:ln w="0"/>
+                <a:solidFill>
+                  <a:srgbClr val="273272"/>
+                </a:solidFill>
+                <a:effectLst>
+                  <a:reflection blurRad="6350" stA="53000" endA="300" endPos="35500" dir="5400000" sy="-90000" algn="bl" rotWithShape="0"/>
+                </a:effectLst>
+                <a:latin typeface="Courier New" pitchFamily="49" charset="0"/>
+                <a:cs typeface="Courier New" pitchFamily="49" charset="0"/>
+              </a:rPr>
+              <a:t>cycle:	</a:t>
+            </a:r>
+            <a:r>
+              <a:rPr lang="en-US" sz="2400" dirty="0" err="1" smtClean="0">
+                <a:ln w="0"/>
+                <a:solidFill>
+                  <a:srgbClr val="273272"/>
+                </a:solidFill>
+                <a:effectLst>
+                  <a:reflection blurRad="6350" stA="53000" endA="300" endPos="35500" dir="5400000" sy="-90000" algn="bl" rotWithShape="0"/>
+                </a:effectLst>
+                <a:latin typeface="Courier New" pitchFamily="49" charset="0"/>
+                <a:cs typeface="Courier New" pitchFamily="49" charset="0"/>
+              </a:rPr>
+              <a:t>beq</a:t>
+            </a:r>
+            <a:r>
+              <a:rPr lang="en-US" sz="2400" dirty="0" smtClean="0">
+                <a:ln w="0"/>
+                <a:solidFill>
+                  <a:srgbClr val="273272"/>
+                </a:solidFill>
+                <a:effectLst>
+                  <a:reflection blurRad="6350" stA="53000" endA="300" endPos="35500" dir="5400000" sy="-90000" algn="bl" rotWithShape="0"/>
+                </a:effectLst>
+                <a:latin typeface="Courier New" pitchFamily="49" charset="0"/>
+                <a:cs typeface="Courier New" pitchFamily="49" charset="0"/>
+              </a:rPr>
+              <a:t> t1, t2, done</a:t>
+            </a:r>
+          </a:p>
+          <a:p>
+            <a:r>
+              <a:rPr lang="en-US" sz="2400" dirty="0" smtClean="0">
+                <a:ln w="0"/>
+                <a:solidFill>
+                  <a:srgbClr val="273272"/>
+                </a:solidFill>
+                <a:effectLst>
+                  <a:reflection blurRad="6350" stA="53000" endA="300" endPos="35500" dir="5400000" sy="-90000" algn="bl" rotWithShape="0"/>
+                </a:effectLst>
+                <a:latin typeface="Courier New" pitchFamily="49" charset="0"/>
+                <a:cs typeface="Courier New" pitchFamily="49" charset="0"/>
+              </a:rPr>
+              <a:t>		</a:t>
+            </a:r>
+            <a:r>
+              <a:rPr lang="en-US" sz="2400" dirty="0" err="1" smtClean="0">
+                <a:ln w="0"/>
+                <a:solidFill>
+                  <a:srgbClr val="273272"/>
+                </a:solidFill>
+                <a:effectLst>
+                  <a:reflection blurRad="6350" stA="53000" endA="300" endPos="35500" dir="5400000" sy="-90000" algn="bl" rotWithShape="0"/>
+                </a:effectLst>
+                <a:latin typeface="Courier New" pitchFamily="49" charset="0"/>
+                <a:cs typeface="Courier New" pitchFamily="49" charset="0"/>
+              </a:rPr>
+              <a:t>slt</a:t>
+            </a:r>
+            <a:r>
+              <a:rPr lang="en-US" sz="2400" dirty="0" smtClean="0">
+                <a:ln w="0"/>
+                <a:solidFill>
+                  <a:srgbClr val="273272"/>
+                </a:solidFill>
+                <a:effectLst>
+                  <a:reflection blurRad="6350" stA="53000" endA="300" endPos="35500" dir="5400000" sy="-90000" algn="bl" rotWithShape="0"/>
+                </a:effectLst>
+                <a:latin typeface="Courier New" pitchFamily="49" charset="0"/>
+                <a:cs typeface="Courier New" pitchFamily="49" charset="0"/>
+              </a:rPr>
+              <a:t> t0, t1, t2</a:t>
+            </a:r>
+          </a:p>
+          <a:p>
+            <a:r>
+              <a:rPr lang="en-US" sz="2400" dirty="0" smtClean="0">
+                <a:ln w="0"/>
+                <a:solidFill>
+                  <a:srgbClr val="273272"/>
+                </a:solidFill>
+                <a:effectLst>
+                  <a:reflection blurRad="6350" stA="53000" endA="300" endPos="35500" dir="5400000" sy="-90000" algn="bl" rotWithShape="0"/>
+                </a:effectLst>
+                <a:latin typeface="Courier New" pitchFamily="49" charset="0"/>
+                <a:cs typeface="Courier New" pitchFamily="49" charset="0"/>
+              </a:rPr>
+              <a:t>		</a:t>
+            </a:r>
+            <a:r>
+              <a:rPr lang="en-US" sz="2400" dirty="0" err="1" smtClean="0">
+                <a:ln w="0"/>
+                <a:solidFill>
+                  <a:srgbClr val="273272"/>
+                </a:solidFill>
+                <a:effectLst>
+                  <a:reflection blurRad="6350" stA="53000" endA="300" endPos="35500" dir="5400000" sy="-90000" algn="bl" rotWithShape="0"/>
+                </a:effectLst>
+                <a:latin typeface="Courier New" pitchFamily="49" charset="0"/>
+                <a:cs typeface="Courier New" pitchFamily="49" charset="0"/>
+              </a:rPr>
+              <a:t>bne</a:t>
+            </a:r>
+            <a:r>
+              <a:rPr lang="en-US" sz="2400" dirty="0" smtClean="0">
+                <a:ln w="0"/>
+                <a:solidFill>
+                  <a:srgbClr val="273272"/>
+                </a:solidFill>
+                <a:effectLst>
+                  <a:reflection blurRad="6350" stA="53000" endA="300" endPos="35500" dir="5400000" sy="-90000" algn="bl" rotWithShape="0"/>
+                </a:effectLst>
+                <a:latin typeface="Courier New" pitchFamily="49" charset="0"/>
+                <a:cs typeface="Courier New" pitchFamily="49" charset="0"/>
+              </a:rPr>
+              <a:t> t0, zero, </a:t>
+            </a:r>
+            <a:r>
+              <a:rPr lang="en-US" sz="2400" dirty="0" err="1" smtClean="0">
+                <a:ln w="0"/>
+                <a:solidFill>
+                  <a:srgbClr val="273272"/>
+                </a:solidFill>
+                <a:effectLst>
+                  <a:reflection blurRad="6350" stA="53000" endA="300" endPos="35500" dir="5400000" sy="-90000" algn="bl" rotWithShape="0"/>
+                </a:effectLst>
+                <a:latin typeface="Courier New" pitchFamily="49" charset="0"/>
+                <a:cs typeface="Courier New" pitchFamily="49" charset="0"/>
+              </a:rPr>
+              <a:t>if_less</a:t>
+            </a:r>
+            <a:endParaRPr lang="en-US" sz="2400" dirty="0" smtClean="0">
+              <a:ln w="0"/>
+              <a:solidFill>
+                <a:srgbClr val="273272"/>
+              </a:solidFill>
+              <a:effectLst>
+                <a:reflection blurRad="6350" stA="53000" endA="300" endPos="35500" dir="5400000" sy="-90000" algn="bl" rotWithShape="0"/>
+              </a:effectLst>
+              <a:latin typeface="Courier New" pitchFamily="49" charset="0"/>
+              <a:cs typeface="Courier New" pitchFamily="49" charset="0"/>
+            </a:endParaRPr>
+          </a:p>
+          <a:p>
+            <a:r>
+              <a:rPr lang="en-US" sz="2400" dirty="0" smtClean="0">
+                <a:ln w="0"/>
+                <a:solidFill>
+                  <a:srgbClr val="273272"/>
+                </a:solidFill>
+                <a:effectLst>
+                  <a:reflection blurRad="6350" stA="53000" endA="300" endPos="35500" dir="5400000" sy="-90000" algn="bl" rotWithShape="0"/>
+                </a:effectLst>
+                <a:latin typeface="Courier New" pitchFamily="49" charset="0"/>
+                <a:cs typeface="Courier New" pitchFamily="49" charset="0"/>
+              </a:rPr>
+              <a:t>		</a:t>
+            </a:r>
+            <a:r>
+              <a:rPr lang="en-US" sz="2400" dirty="0" err="1" smtClean="0">
+                <a:ln w="0"/>
+                <a:solidFill>
+                  <a:srgbClr val="273272"/>
+                </a:solidFill>
+                <a:effectLst>
+                  <a:reflection blurRad="6350" stA="53000" endA="300" endPos="35500" dir="5400000" sy="-90000" algn="bl" rotWithShape="0"/>
+                </a:effectLst>
+                <a:latin typeface="Courier New" pitchFamily="49" charset="0"/>
+                <a:cs typeface="Courier New" pitchFamily="49" charset="0"/>
+              </a:rPr>
+              <a:t>nop</a:t>
+            </a:r>
+            <a:endParaRPr lang="en-US" sz="2400" dirty="0" smtClean="0">
+              <a:ln w="0"/>
+              <a:solidFill>
+                <a:srgbClr val="273272"/>
+              </a:solidFill>
+              <a:effectLst>
+                <a:reflection blurRad="6350" stA="53000" endA="300" endPos="35500" dir="5400000" sy="-90000" algn="bl" rotWithShape="0"/>
+              </a:effectLst>
+              <a:latin typeface="Courier New" pitchFamily="49" charset="0"/>
+              <a:cs typeface="Courier New" pitchFamily="49" charset="0"/>
+            </a:endParaRPr>
+          </a:p>
+          <a:p>
+            <a:r>
+              <a:rPr lang="en-US" sz="2400" dirty="0" smtClean="0">
+                <a:ln w="0"/>
+                <a:solidFill>
+                  <a:srgbClr val="273272"/>
+                </a:solidFill>
+                <a:effectLst>
+                  <a:reflection blurRad="6350" stA="53000" endA="300" endPos="35500" dir="5400000" sy="-90000" algn="bl" rotWithShape="0"/>
+                </a:effectLst>
+                <a:latin typeface="Courier New" pitchFamily="49" charset="0"/>
+                <a:cs typeface="Courier New" pitchFamily="49" charset="0"/>
+              </a:rPr>
+              <a:t>		sub t1, t1, t2</a:t>
+            </a:r>
+          </a:p>
+          <a:p>
+            <a:r>
+              <a:rPr lang="en-US" sz="2400" dirty="0" smtClean="0">
+                <a:ln w="0"/>
+                <a:solidFill>
+                  <a:srgbClr val="273272"/>
+                </a:solidFill>
+                <a:effectLst>
+                  <a:reflection blurRad="6350" stA="53000" endA="300" endPos="35500" dir="5400000" sy="-90000" algn="bl" rotWithShape="0"/>
+                </a:effectLst>
+                <a:latin typeface="Courier New" pitchFamily="49" charset="0"/>
+                <a:cs typeface="Courier New" pitchFamily="49" charset="0"/>
+              </a:rPr>
+              <a:t>		j cycle</a:t>
+            </a:r>
+          </a:p>
+          <a:p>
+            <a:r>
+              <a:rPr lang="en-US" sz="2400" dirty="0" smtClean="0">
+                <a:ln w="0"/>
+                <a:solidFill>
+                  <a:srgbClr val="273272"/>
+                </a:solidFill>
+                <a:effectLst>
+                  <a:reflection blurRad="6350" stA="53000" endA="300" endPos="35500" dir="5400000" sy="-90000" algn="bl" rotWithShape="0"/>
+                </a:effectLst>
+                <a:latin typeface="Courier New" pitchFamily="49" charset="0"/>
+                <a:cs typeface="Courier New" pitchFamily="49" charset="0"/>
+              </a:rPr>
+              <a:t>		</a:t>
+            </a:r>
+            <a:r>
+              <a:rPr lang="en-US" sz="2400" dirty="0" err="1" smtClean="0">
+                <a:ln w="0"/>
+                <a:solidFill>
+                  <a:srgbClr val="273272"/>
+                </a:solidFill>
+                <a:effectLst>
+                  <a:reflection blurRad="6350" stA="53000" endA="300" endPos="35500" dir="5400000" sy="-90000" algn="bl" rotWithShape="0"/>
+                </a:effectLst>
+                <a:latin typeface="Courier New" pitchFamily="49" charset="0"/>
+                <a:cs typeface="Courier New" pitchFamily="49" charset="0"/>
+              </a:rPr>
+              <a:t>nop</a:t>
+            </a:r>
+            <a:endParaRPr lang="en-US" sz="2400" dirty="0" smtClean="0">
+              <a:ln w="0"/>
+              <a:solidFill>
+                <a:srgbClr val="273272"/>
+              </a:solidFill>
+              <a:effectLst>
+                <a:reflection blurRad="6350" stA="53000" endA="300" endPos="35500" dir="5400000" sy="-90000" algn="bl" rotWithShape="0"/>
+              </a:effectLst>
+              <a:latin typeface="Courier New" pitchFamily="49" charset="0"/>
+              <a:cs typeface="Courier New" pitchFamily="49" charset="0"/>
+            </a:endParaRPr>
+          </a:p>
+          <a:p>
+            <a:r>
+              <a:rPr lang="en-US" sz="2400" dirty="0" err="1" smtClean="0">
+                <a:ln w="0"/>
+                <a:solidFill>
+                  <a:srgbClr val="273272"/>
+                </a:solidFill>
+                <a:effectLst>
+                  <a:reflection blurRad="6350" stA="53000" endA="300" endPos="35500" dir="5400000" sy="-90000" algn="bl" rotWithShape="0"/>
+                </a:effectLst>
+                <a:latin typeface="Courier New" pitchFamily="49" charset="0"/>
+                <a:cs typeface="Courier New" pitchFamily="49" charset="0"/>
+              </a:rPr>
+              <a:t>if_less</a:t>
+            </a:r>
+            <a:r>
+              <a:rPr lang="en-US" sz="2400" dirty="0" smtClean="0">
+                <a:ln w="0"/>
+                <a:solidFill>
+                  <a:srgbClr val="273272"/>
+                </a:solidFill>
+                <a:effectLst>
+                  <a:reflection blurRad="6350" stA="53000" endA="300" endPos="35500" dir="5400000" sy="-90000" algn="bl" rotWithShape="0"/>
+                </a:effectLst>
+                <a:latin typeface="Courier New" pitchFamily="49" charset="0"/>
+                <a:cs typeface="Courier New" pitchFamily="49" charset="0"/>
+              </a:rPr>
+              <a:t>:	sub t2, t2, t1</a:t>
+            </a:r>
+          </a:p>
+          <a:p>
+            <a:r>
+              <a:rPr lang="en-US" sz="2400" dirty="0" smtClean="0">
+                <a:ln w="0"/>
+                <a:solidFill>
+                  <a:srgbClr val="273272"/>
+                </a:solidFill>
+                <a:effectLst>
+                  <a:reflection blurRad="6350" stA="53000" endA="300" endPos="35500" dir="5400000" sy="-90000" algn="bl" rotWithShape="0"/>
+                </a:effectLst>
+                <a:latin typeface="Courier New" pitchFamily="49" charset="0"/>
+                <a:cs typeface="Courier New" pitchFamily="49" charset="0"/>
+              </a:rPr>
+              <a:t>		j cycle</a:t>
+            </a:r>
+          </a:p>
+          <a:p>
+            <a:r>
+              <a:rPr lang="en-US" sz="2400" dirty="0" smtClean="0">
+                <a:ln w="0"/>
+                <a:solidFill>
+                  <a:srgbClr val="273272"/>
+                </a:solidFill>
+                <a:effectLst>
+                  <a:reflection blurRad="6350" stA="53000" endA="300" endPos="35500" dir="5400000" sy="-90000" algn="bl" rotWithShape="0"/>
+                </a:effectLst>
+                <a:latin typeface="Courier New" pitchFamily="49" charset="0"/>
+                <a:cs typeface="Courier New" pitchFamily="49" charset="0"/>
+              </a:rPr>
+              <a:t>done:		add t3, t1, zero</a:t>
+            </a:r>
+            <a:endParaRPr lang="ru-RU" sz="2400" b="0" cap="none" spc="0" dirty="0">
+              <a:ln w="0"/>
+              <a:solidFill>
+                <a:srgbClr val="273272"/>
+              </a:solidFill>
+              <a:effectLst>
+                <a:reflection blurRad="6350" stA="53000" endA="300" endPos="35500" dir="5400000" sy="-90000" algn="bl" rotWithShape="0"/>
+              </a:effectLst>
+              <a:latin typeface="Courier New" pitchFamily="49" charset="0"/>
+              <a:cs typeface="Courier New" pitchFamily="49" charset="0"/>
+            </a:endParaRPr>
+          </a:p>
+        </p:txBody>
+      </p:sp>
+      <p:sp>
+        <p:nvSpPr>
+          <p:cNvPr id="2" name="Заголовок 1"/>
+          <p:cNvSpPr>
+            <a:spLocks noGrp="1"/>
+          </p:cNvSpPr>
+          <p:nvPr>
+            <p:ph type="title"/>
+          </p:nvPr>
+        </p:nvSpPr>
+        <p:spPr/>
+        <p:txBody>
+          <a:bodyPr>
+            <a:normAutofit/>
+          </a:bodyPr>
+          <a:lstStyle/>
+          <a:p>
+            <a:r>
+              <a:rPr lang="en-US" dirty="0" smtClean="0"/>
+              <a:t>Any Questions?</a:t>
+            </a:r>
+            <a:endParaRPr lang="ru-RU" sz="4000" dirty="0"/>
+          </a:p>
+        </p:txBody>
+      </p:sp>
+      <p:sp>
+        <p:nvSpPr>
+          <p:cNvPr id="6" name="Номер слайда 5"/>
+          <p:cNvSpPr>
+            <a:spLocks noGrp="1"/>
+          </p:cNvSpPr>
+          <p:nvPr>
+            <p:ph type="sldNum" sz="quarter" idx="12"/>
+          </p:nvPr>
+        </p:nvSpPr>
+        <p:spPr/>
+        <p:txBody>
+          <a:bodyPr/>
+          <a:lstStyle/>
+          <a:p>
+            <a:pPr algn="ctr"/>
+            <a:fld id="{1397BFD8-F312-4EF2-A268-44FB4BDDBBB0}" type="slidenum">
+              <a:rPr lang="ru-RU" smtClean="0"/>
+              <a:pPr algn="ctr"/>
+              <a:t>10</a:t>
+            </a:fld>
+            <a:endParaRPr lang="ru-RU" dirty="0"/>
+          </a:p>
+        </p:txBody>
+      </p:sp>
+    </p:spTree>
+    <p:extLst>
+      <p:ext uri="{BB962C8B-B14F-4D97-AF65-F5344CB8AC3E}">
+        <p14:creationId xmlns:p14="http://schemas.microsoft.com/office/powerpoint/2010/main" val="4217875043"/>
+      </p:ext>
+    </p:extLst>
+  </p:cSld>
+  <p:clrMapOvr>
+    <a:masterClrMapping/>
+  </p:clrMapOvr>
+  <p:timing>
+    <p:tnLst>
+      <p:par>
+        <p:cTn id="1" dur="indefinite" restart="never" nodeType="tmRoot"/>
+      </p:par>
+    </p:tnLst>
+  </p:timing>
+</p:sld>
+</file>
+
 <file path=ppt/slides/slide2.xml><?xml version="1.0" encoding="utf-8"?>
 <p:sld xmlns:a="http://schemas.openxmlformats.org/drawingml/2006/main" xmlns:r="http://schemas.openxmlformats.org/officeDocument/2006/relationships" xmlns:p="http://schemas.openxmlformats.org/presentationml/2006/main">
   <p:cSld>
@@ -5355,9 +5939,16 @@
             <p:ph idx="1"/>
           </p:nvPr>
         </p:nvSpPr>
-        <p:spPr/>
-        <p:txBody>
-          <a:bodyPr/>
+        <p:spPr>
+          <a:xfrm>
+            <a:off x="838200" y="1178052"/>
+            <a:ext cx="10515600" cy="5231891"/>
+          </a:xfrm>
+        </p:spPr>
+        <p:txBody>
+          <a:bodyPr>
+            <a:normAutofit/>
+          </a:bodyPr>
           <a:lstStyle/>
           <a:p>
             <a:pPr marL="0" indent="0" algn="just">
@@ -5381,14 +5972,10 @@
             </a:r>
             <a:r>
               <a:rPr lang="en-US" dirty="0"/>
-              <a:t>software companies use a variety of </a:t>
-            </a:r>
-            <a:r>
-              <a:rPr lang="en-US"/>
-              <a:t>static </a:t>
-            </a:r>
-            <a:r>
-              <a:rPr lang="en-US" smtClean="0"/>
+              <a:t>software companies use a variety of static </a:t>
+            </a:r>
+            <a:r>
+              <a:rPr lang="en-US" dirty="0" smtClean="0"/>
               <a:t>program analysis </a:t>
             </a:r>
             <a:r>
@@ -5406,6 +5993,50 @@
             <a:r>
               <a:rPr lang="en-US" dirty="0" smtClean="0"/>
               <a:t>.</a:t>
+            </a:r>
+          </a:p>
+          <a:p>
+            <a:pPr marL="0" indent="0" algn="just">
+              <a:lnSpc>
+                <a:spcPct val="100000"/>
+              </a:lnSpc>
+              <a:spcBef>
+                <a:spcPts val="1800"/>
+              </a:spcBef>
+              <a:spcAft>
+                <a:spcPts val="600"/>
+              </a:spcAft>
+              <a:buNone/>
+            </a:pPr>
+            <a:r>
+              <a:rPr lang="en-US" dirty="0" smtClean="0"/>
+              <a:t>Progra</a:t>
+            </a:r>
+            <a:r>
+              <a:rPr lang="en-US" dirty="0" smtClean="0"/>
+              <a:t>m </a:t>
+            </a:r>
+            <a:r>
+              <a:rPr lang="en-US" b="1" dirty="0" smtClean="0"/>
+              <a:t>properties</a:t>
+            </a:r>
+            <a:r>
+              <a:rPr lang="en-US" dirty="0" smtClean="0"/>
+              <a:t> to be analyzed:</a:t>
+            </a:r>
+          </a:p>
+          <a:p>
+            <a:pPr algn="just"/>
+            <a:r>
+              <a:rPr lang="en-US" dirty="0" smtClean="0"/>
+              <a:t>Structure (easy)</a:t>
+            </a:r>
+          </a:p>
+          <a:p>
+            <a:pPr algn="just"/>
+            <a:r>
+              <a:rPr lang="en-US" dirty="0" smtClean="0"/>
+              <a:t>Behavior (more complicated)</a:t>
             </a:r>
             <a:endParaRPr lang="en-US" dirty="0"/>
           </a:p>
@@ -5491,526 +6122,7 @@
       </p:grpSpPr>
       <p:sp>
         <p:nvSpPr>
-          <p:cNvPr id="4" name="Прямоугольник 3"/>
-          <p:cNvSpPr/>
-          <p:nvPr/>
-        </p:nvSpPr>
-        <p:spPr>
-          <a:xfrm>
-            <a:off x="2664999" y="472120"/>
-            <a:ext cx="7524751" cy="5262979"/>
-          </a:xfrm>
-          <a:prstGeom prst="rect">
-            <a:avLst/>
-          </a:prstGeom>
-          <a:noFill/>
-          <a:ln>
-            <a:noFill/>
-          </a:ln>
-          <a:scene3d>
-            <a:camera prst="perspectiveRelaxed"/>
-            <a:lightRig rig="threePt" dir="t"/>
-          </a:scene3d>
-        </p:spPr>
-        <p:txBody>
-          <a:bodyPr wrap="square" lIns="91440" tIns="45720" rIns="91440" bIns="45720">
-            <a:spAutoFit/>
-          </a:bodyPr>
-          <a:lstStyle/>
-          <a:p>
-            <a:r>
-              <a:rPr lang="en-US" sz="2400" dirty="0" smtClean="0">
-                <a:ln w="0"/>
-                <a:solidFill>
-                  <a:srgbClr val="273272"/>
-                </a:solidFill>
-                <a:effectLst>
-                  <a:reflection blurRad="6350" stA="53000" endA="300" endPos="35500" dir="5400000" sy="-90000" algn="bl" rotWithShape="0"/>
-                </a:effectLst>
-                <a:latin typeface="Courier New" pitchFamily="49" charset="0"/>
-                <a:cs typeface="Courier New" pitchFamily="49" charset="0"/>
-              </a:rPr>
-              <a:t>		</a:t>
-            </a:r>
-          </a:p>
-          <a:p>
-            <a:r>
-              <a:rPr lang="en-US" sz="2400" dirty="0" smtClean="0">
-                <a:ln w="0"/>
-                <a:solidFill>
-                  <a:srgbClr val="273272"/>
-                </a:solidFill>
-                <a:effectLst>
-                  <a:reflection blurRad="6350" stA="53000" endA="300" endPos="35500" dir="5400000" sy="-90000" algn="bl" rotWithShape="0"/>
-                </a:effectLst>
-                <a:latin typeface="Courier New" pitchFamily="49" charset="0"/>
-                <a:cs typeface="Courier New" pitchFamily="49" charset="0"/>
-              </a:rPr>
-              <a:t>		.text</a:t>
-            </a:r>
-          </a:p>
-          <a:p>
-            <a:r>
-              <a:rPr lang="en-US" sz="2400" dirty="0" smtClean="0">
-                <a:ln w="0"/>
-                <a:solidFill>
-                  <a:srgbClr val="273272"/>
-                </a:solidFill>
-                <a:effectLst>
-                  <a:reflection blurRad="6350" stA="53000" endA="300" endPos="35500" dir="5400000" sy="-90000" algn="bl" rotWithShape="0"/>
-                </a:effectLst>
-                <a:latin typeface="Courier New" pitchFamily="49" charset="0"/>
-                <a:cs typeface="Courier New" pitchFamily="49" charset="0"/>
-              </a:rPr>
-              <a:t>__start:	</a:t>
-            </a:r>
-            <a:r>
-              <a:rPr lang="en-US" sz="2400" dirty="0" err="1" smtClean="0">
-                <a:ln w="0"/>
-                <a:solidFill>
-                  <a:srgbClr val="273272"/>
-                </a:solidFill>
-                <a:effectLst>
-                  <a:reflection blurRad="6350" stA="53000" endA="300" endPos="35500" dir="5400000" sy="-90000" algn="bl" rotWithShape="0"/>
-                </a:effectLst>
-                <a:latin typeface="Courier New" pitchFamily="49" charset="0"/>
-                <a:cs typeface="Courier New" pitchFamily="49" charset="0"/>
-              </a:rPr>
-              <a:t>addi</a:t>
-            </a:r>
-            <a:r>
-              <a:rPr lang="en-US" sz="2400" dirty="0" smtClean="0">
-                <a:ln w="0"/>
-                <a:solidFill>
-                  <a:srgbClr val="273272"/>
-                </a:solidFill>
-                <a:effectLst>
-                  <a:reflection blurRad="6350" stA="53000" endA="300" endPos="35500" dir="5400000" sy="-90000" algn="bl" rotWithShape="0"/>
-                </a:effectLst>
-                <a:latin typeface="Courier New" pitchFamily="49" charset="0"/>
-                <a:cs typeface="Courier New" pitchFamily="49" charset="0"/>
-              </a:rPr>
-              <a:t> t1, zero, 0x18</a:t>
-            </a:r>
-          </a:p>
-          <a:p>
-            <a:r>
-              <a:rPr lang="en-US" sz="2400" dirty="0" smtClean="0">
-                <a:ln w="0"/>
-                <a:solidFill>
-                  <a:srgbClr val="273272"/>
-                </a:solidFill>
-                <a:effectLst>
-                  <a:reflection blurRad="6350" stA="53000" endA="300" endPos="35500" dir="5400000" sy="-90000" algn="bl" rotWithShape="0"/>
-                </a:effectLst>
-                <a:latin typeface="Courier New" pitchFamily="49" charset="0"/>
-                <a:cs typeface="Courier New" pitchFamily="49" charset="0"/>
-              </a:rPr>
-              <a:t>		</a:t>
-            </a:r>
-            <a:r>
-              <a:rPr lang="en-US" sz="2400" dirty="0" err="1" smtClean="0">
-                <a:ln w="0"/>
-                <a:solidFill>
-                  <a:srgbClr val="273272"/>
-                </a:solidFill>
-                <a:effectLst>
-                  <a:reflection blurRad="6350" stA="53000" endA="300" endPos="35500" dir="5400000" sy="-90000" algn="bl" rotWithShape="0"/>
-                </a:effectLst>
-                <a:latin typeface="Courier New" pitchFamily="49" charset="0"/>
-                <a:cs typeface="Courier New" pitchFamily="49" charset="0"/>
-              </a:rPr>
-              <a:t>addi</a:t>
-            </a:r>
-            <a:r>
-              <a:rPr lang="en-US" sz="2400" dirty="0" smtClean="0">
-                <a:ln w="0"/>
-                <a:solidFill>
-                  <a:srgbClr val="273272"/>
-                </a:solidFill>
-                <a:effectLst>
-                  <a:reflection blurRad="6350" stA="53000" endA="300" endPos="35500" dir="5400000" sy="-90000" algn="bl" rotWithShape="0"/>
-                </a:effectLst>
-                <a:latin typeface="Courier New" pitchFamily="49" charset="0"/>
-                <a:cs typeface="Courier New" pitchFamily="49" charset="0"/>
-              </a:rPr>
-              <a:t> t2, zero, 0x21</a:t>
-            </a:r>
-          </a:p>
-          <a:p>
-            <a:r>
-              <a:rPr lang="en-US" sz="2400" dirty="0" smtClean="0">
-                <a:ln w="0"/>
-                <a:solidFill>
-                  <a:srgbClr val="273272"/>
-                </a:solidFill>
-                <a:effectLst>
-                  <a:reflection blurRad="6350" stA="53000" endA="300" endPos="35500" dir="5400000" sy="-90000" algn="bl" rotWithShape="0"/>
-                </a:effectLst>
-                <a:latin typeface="Courier New" pitchFamily="49" charset="0"/>
-                <a:cs typeface="Courier New" pitchFamily="49" charset="0"/>
-              </a:rPr>
-              <a:t>cycle:	</a:t>
-            </a:r>
-            <a:r>
-              <a:rPr lang="en-US" sz="2400" dirty="0" err="1" smtClean="0">
-                <a:ln w="0"/>
-                <a:solidFill>
-                  <a:srgbClr val="273272"/>
-                </a:solidFill>
-                <a:effectLst>
-                  <a:reflection blurRad="6350" stA="53000" endA="300" endPos="35500" dir="5400000" sy="-90000" algn="bl" rotWithShape="0"/>
-                </a:effectLst>
-                <a:latin typeface="Courier New" pitchFamily="49" charset="0"/>
-                <a:cs typeface="Courier New" pitchFamily="49" charset="0"/>
-              </a:rPr>
-              <a:t>beq</a:t>
-            </a:r>
-            <a:r>
-              <a:rPr lang="en-US" sz="2400" dirty="0" smtClean="0">
-                <a:ln w="0"/>
-                <a:solidFill>
-                  <a:srgbClr val="273272"/>
-                </a:solidFill>
-                <a:effectLst>
-                  <a:reflection blurRad="6350" stA="53000" endA="300" endPos="35500" dir="5400000" sy="-90000" algn="bl" rotWithShape="0"/>
-                </a:effectLst>
-                <a:latin typeface="Courier New" pitchFamily="49" charset="0"/>
-                <a:cs typeface="Courier New" pitchFamily="49" charset="0"/>
-              </a:rPr>
-              <a:t> t1, t2, done</a:t>
-            </a:r>
-          </a:p>
-          <a:p>
-            <a:r>
-              <a:rPr lang="en-US" sz="2400" dirty="0" smtClean="0">
-                <a:ln w="0"/>
-                <a:solidFill>
-                  <a:srgbClr val="273272"/>
-                </a:solidFill>
-                <a:effectLst>
-                  <a:reflection blurRad="6350" stA="53000" endA="300" endPos="35500" dir="5400000" sy="-90000" algn="bl" rotWithShape="0"/>
-                </a:effectLst>
-                <a:latin typeface="Courier New" pitchFamily="49" charset="0"/>
-                <a:cs typeface="Courier New" pitchFamily="49" charset="0"/>
-              </a:rPr>
-              <a:t>		</a:t>
-            </a:r>
-            <a:r>
-              <a:rPr lang="en-US" sz="2400" dirty="0" err="1" smtClean="0">
-                <a:ln w="0"/>
-                <a:solidFill>
-                  <a:srgbClr val="273272"/>
-                </a:solidFill>
-                <a:effectLst>
-                  <a:reflection blurRad="6350" stA="53000" endA="300" endPos="35500" dir="5400000" sy="-90000" algn="bl" rotWithShape="0"/>
-                </a:effectLst>
-                <a:latin typeface="Courier New" pitchFamily="49" charset="0"/>
-                <a:cs typeface="Courier New" pitchFamily="49" charset="0"/>
-              </a:rPr>
-              <a:t>slt</a:t>
-            </a:r>
-            <a:r>
-              <a:rPr lang="en-US" sz="2400" dirty="0" smtClean="0">
-                <a:ln w="0"/>
-                <a:solidFill>
-                  <a:srgbClr val="273272"/>
-                </a:solidFill>
-                <a:effectLst>
-                  <a:reflection blurRad="6350" stA="53000" endA="300" endPos="35500" dir="5400000" sy="-90000" algn="bl" rotWithShape="0"/>
-                </a:effectLst>
-                <a:latin typeface="Courier New" pitchFamily="49" charset="0"/>
-                <a:cs typeface="Courier New" pitchFamily="49" charset="0"/>
-              </a:rPr>
-              <a:t> t0, t1, t2</a:t>
-            </a:r>
-          </a:p>
-          <a:p>
-            <a:r>
-              <a:rPr lang="en-US" sz="2400" dirty="0" smtClean="0">
-                <a:ln w="0"/>
-                <a:solidFill>
-                  <a:srgbClr val="273272"/>
-                </a:solidFill>
-                <a:effectLst>
-                  <a:reflection blurRad="6350" stA="53000" endA="300" endPos="35500" dir="5400000" sy="-90000" algn="bl" rotWithShape="0"/>
-                </a:effectLst>
-                <a:latin typeface="Courier New" pitchFamily="49" charset="0"/>
-                <a:cs typeface="Courier New" pitchFamily="49" charset="0"/>
-              </a:rPr>
-              <a:t>		</a:t>
-            </a:r>
-            <a:r>
-              <a:rPr lang="en-US" sz="2400" dirty="0" err="1" smtClean="0">
-                <a:ln w="0"/>
-                <a:solidFill>
-                  <a:srgbClr val="273272"/>
-                </a:solidFill>
-                <a:effectLst>
-                  <a:reflection blurRad="6350" stA="53000" endA="300" endPos="35500" dir="5400000" sy="-90000" algn="bl" rotWithShape="0"/>
-                </a:effectLst>
-                <a:latin typeface="Courier New" pitchFamily="49" charset="0"/>
-                <a:cs typeface="Courier New" pitchFamily="49" charset="0"/>
-              </a:rPr>
-              <a:t>bne</a:t>
-            </a:r>
-            <a:r>
-              <a:rPr lang="en-US" sz="2400" dirty="0" smtClean="0">
-                <a:ln w="0"/>
-                <a:solidFill>
-                  <a:srgbClr val="273272"/>
-                </a:solidFill>
-                <a:effectLst>
-                  <a:reflection blurRad="6350" stA="53000" endA="300" endPos="35500" dir="5400000" sy="-90000" algn="bl" rotWithShape="0"/>
-                </a:effectLst>
-                <a:latin typeface="Courier New" pitchFamily="49" charset="0"/>
-                <a:cs typeface="Courier New" pitchFamily="49" charset="0"/>
-              </a:rPr>
-              <a:t> t0, zero, </a:t>
-            </a:r>
-            <a:r>
-              <a:rPr lang="en-US" sz="2400" dirty="0" err="1" smtClean="0">
-                <a:ln w="0"/>
-                <a:solidFill>
-                  <a:srgbClr val="273272"/>
-                </a:solidFill>
-                <a:effectLst>
-                  <a:reflection blurRad="6350" stA="53000" endA="300" endPos="35500" dir="5400000" sy="-90000" algn="bl" rotWithShape="0"/>
-                </a:effectLst>
-                <a:latin typeface="Courier New" pitchFamily="49" charset="0"/>
-                <a:cs typeface="Courier New" pitchFamily="49" charset="0"/>
-              </a:rPr>
-              <a:t>if_less</a:t>
-            </a:r>
-            <a:endParaRPr lang="en-US" sz="2400" dirty="0" smtClean="0">
-              <a:ln w="0"/>
-              <a:solidFill>
-                <a:srgbClr val="273272"/>
-              </a:solidFill>
-              <a:effectLst>
-                <a:reflection blurRad="6350" stA="53000" endA="300" endPos="35500" dir="5400000" sy="-90000" algn="bl" rotWithShape="0"/>
-              </a:effectLst>
-              <a:latin typeface="Courier New" pitchFamily="49" charset="0"/>
-              <a:cs typeface="Courier New" pitchFamily="49" charset="0"/>
-            </a:endParaRPr>
-          </a:p>
-          <a:p>
-            <a:r>
-              <a:rPr lang="en-US" sz="2400" dirty="0" smtClean="0">
-                <a:ln w="0"/>
-                <a:solidFill>
-                  <a:srgbClr val="273272"/>
-                </a:solidFill>
-                <a:effectLst>
-                  <a:reflection blurRad="6350" stA="53000" endA="300" endPos="35500" dir="5400000" sy="-90000" algn="bl" rotWithShape="0"/>
-                </a:effectLst>
-                <a:latin typeface="Courier New" pitchFamily="49" charset="0"/>
-                <a:cs typeface="Courier New" pitchFamily="49" charset="0"/>
-              </a:rPr>
-              <a:t>		</a:t>
-            </a:r>
-            <a:r>
-              <a:rPr lang="en-US" sz="2400" dirty="0" err="1" smtClean="0">
-                <a:ln w="0"/>
-                <a:solidFill>
-                  <a:srgbClr val="273272"/>
-                </a:solidFill>
-                <a:effectLst>
-                  <a:reflection blurRad="6350" stA="53000" endA="300" endPos="35500" dir="5400000" sy="-90000" algn="bl" rotWithShape="0"/>
-                </a:effectLst>
-                <a:latin typeface="Courier New" pitchFamily="49" charset="0"/>
-                <a:cs typeface="Courier New" pitchFamily="49" charset="0"/>
-              </a:rPr>
-              <a:t>nop</a:t>
-            </a:r>
-            <a:endParaRPr lang="en-US" sz="2400" dirty="0" smtClean="0">
-              <a:ln w="0"/>
-              <a:solidFill>
-                <a:srgbClr val="273272"/>
-              </a:solidFill>
-              <a:effectLst>
-                <a:reflection blurRad="6350" stA="53000" endA="300" endPos="35500" dir="5400000" sy="-90000" algn="bl" rotWithShape="0"/>
-              </a:effectLst>
-              <a:latin typeface="Courier New" pitchFamily="49" charset="0"/>
-              <a:cs typeface="Courier New" pitchFamily="49" charset="0"/>
-            </a:endParaRPr>
-          </a:p>
-          <a:p>
-            <a:r>
-              <a:rPr lang="en-US" sz="2400" dirty="0" smtClean="0">
-                <a:ln w="0"/>
-                <a:solidFill>
-                  <a:srgbClr val="273272"/>
-                </a:solidFill>
-                <a:effectLst>
-                  <a:reflection blurRad="6350" stA="53000" endA="300" endPos="35500" dir="5400000" sy="-90000" algn="bl" rotWithShape="0"/>
-                </a:effectLst>
-                <a:latin typeface="Courier New" pitchFamily="49" charset="0"/>
-                <a:cs typeface="Courier New" pitchFamily="49" charset="0"/>
-              </a:rPr>
-              <a:t>		sub t1, t1, t2</a:t>
-            </a:r>
-          </a:p>
-          <a:p>
-            <a:r>
-              <a:rPr lang="en-US" sz="2400" dirty="0" smtClean="0">
-                <a:ln w="0"/>
-                <a:solidFill>
-                  <a:srgbClr val="273272"/>
-                </a:solidFill>
-                <a:effectLst>
-                  <a:reflection blurRad="6350" stA="53000" endA="300" endPos="35500" dir="5400000" sy="-90000" algn="bl" rotWithShape="0"/>
-                </a:effectLst>
-                <a:latin typeface="Courier New" pitchFamily="49" charset="0"/>
-                <a:cs typeface="Courier New" pitchFamily="49" charset="0"/>
-              </a:rPr>
-              <a:t>		j cycle</a:t>
-            </a:r>
-          </a:p>
-          <a:p>
-            <a:r>
-              <a:rPr lang="en-US" sz="2400" dirty="0" smtClean="0">
-                <a:ln w="0"/>
-                <a:solidFill>
-                  <a:srgbClr val="273272"/>
-                </a:solidFill>
-                <a:effectLst>
-                  <a:reflection blurRad="6350" stA="53000" endA="300" endPos="35500" dir="5400000" sy="-90000" algn="bl" rotWithShape="0"/>
-                </a:effectLst>
-                <a:latin typeface="Courier New" pitchFamily="49" charset="0"/>
-                <a:cs typeface="Courier New" pitchFamily="49" charset="0"/>
-              </a:rPr>
-              <a:t>		</a:t>
-            </a:r>
-            <a:r>
-              <a:rPr lang="en-US" sz="2400" dirty="0" err="1" smtClean="0">
-                <a:ln w="0"/>
-                <a:solidFill>
-                  <a:srgbClr val="273272"/>
-                </a:solidFill>
-                <a:effectLst>
-                  <a:reflection blurRad="6350" stA="53000" endA="300" endPos="35500" dir="5400000" sy="-90000" algn="bl" rotWithShape="0"/>
-                </a:effectLst>
-                <a:latin typeface="Courier New" pitchFamily="49" charset="0"/>
-                <a:cs typeface="Courier New" pitchFamily="49" charset="0"/>
-              </a:rPr>
-              <a:t>nop</a:t>
-            </a:r>
-            <a:endParaRPr lang="en-US" sz="2400" dirty="0" smtClean="0">
-              <a:ln w="0"/>
-              <a:solidFill>
-                <a:srgbClr val="273272"/>
-              </a:solidFill>
-              <a:effectLst>
-                <a:reflection blurRad="6350" stA="53000" endA="300" endPos="35500" dir="5400000" sy="-90000" algn="bl" rotWithShape="0"/>
-              </a:effectLst>
-              <a:latin typeface="Courier New" pitchFamily="49" charset="0"/>
-              <a:cs typeface="Courier New" pitchFamily="49" charset="0"/>
-            </a:endParaRPr>
-          </a:p>
-          <a:p>
-            <a:r>
-              <a:rPr lang="en-US" sz="2400" dirty="0" err="1" smtClean="0">
-                <a:ln w="0"/>
-                <a:solidFill>
-                  <a:srgbClr val="273272"/>
-                </a:solidFill>
-                <a:effectLst>
-                  <a:reflection blurRad="6350" stA="53000" endA="300" endPos="35500" dir="5400000" sy="-90000" algn="bl" rotWithShape="0"/>
-                </a:effectLst>
-                <a:latin typeface="Courier New" pitchFamily="49" charset="0"/>
-                <a:cs typeface="Courier New" pitchFamily="49" charset="0"/>
-              </a:rPr>
-              <a:t>if_less</a:t>
-            </a:r>
-            <a:r>
-              <a:rPr lang="en-US" sz="2400" dirty="0" smtClean="0">
-                <a:ln w="0"/>
-                <a:solidFill>
-                  <a:srgbClr val="273272"/>
-                </a:solidFill>
-                <a:effectLst>
-                  <a:reflection blurRad="6350" stA="53000" endA="300" endPos="35500" dir="5400000" sy="-90000" algn="bl" rotWithShape="0"/>
-                </a:effectLst>
-                <a:latin typeface="Courier New" pitchFamily="49" charset="0"/>
-                <a:cs typeface="Courier New" pitchFamily="49" charset="0"/>
-              </a:rPr>
-              <a:t>:	sub t2, t2, t1</a:t>
-            </a:r>
-          </a:p>
-          <a:p>
-            <a:r>
-              <a:rPr lang="en-US" sz="2400" dirty="0" smtClean="0">
-                <a:ln w="0"/>
-                <a:solidFill>
-                  <a:srgbClr val="273272"/>
-                </a:solidFill>
-                <a:effectLst>
-                  <a:reflection blurRad="6350" stA="53000" endA="300" endPos="35500" dir="5400000" sy="-90000" algn="bl" rotWithShape="0"/>
-                </a:effectLst>
-                <a:latin typeface="Courier New" pitchFamily="49" charset="0"/>
-                <a:cs typeface="Courier New" pitchFamily="49" charset="0"/>
-              </a:rPr>
-              <a:t>		j cycle</a:t>
-            </a:r>
-          </a:p>
-          <a:p>
-            <a:r>
-              <a:rPr lang="en-US" sz="2400" dirty="0" smtClean="0">
-                <a:ln w="0"/>
-                <a:solidFill>
-                  <a:srgbClr val="273272"/>
-                </a:solidFill>
-                <a:effectLst>
-                  <a:reflection blurRad="6350" stA="53000" endA="300" endPos="35500" dir="5400000" sy="-90000" algn="bl" rotWithShape="0"/>
-                </a:effectLst>
-                <a:latin typeface="Courier New" pitchFamily="49" charset="0"/>
-                <a:cs typeface="Courier New" pitchFamily="49" charset="0"/>
-              </a:rPr>
-              <a:t>done:		add t3, t1, zero</a:t>
-            </a:r>
-            <a:endParaRPr lang="ru-RU" sz="2400" b="0" cap="none" spc="0" dirty="0">
-              <a:ln w="0"/>
-              <a:solidFill>
-                <a:srgbClr val="273272"/>
-              </a:solidFill>
-              <a:effectLst>
-                <a:reflection blurRad="6350" stA="53000" endA="300" endPos="35500" dir="5400000" sy="-90000" algn="bl" rotWithShape="0"/>
-              </a:effectLst>
-              <a:latin typeface="Courier New" pitchFamily="49" charset="0"/>
-              <a:cs typeface="Courier New" pitchFamily="49" charset="0"/>
-            </a:endParaRPr>
-          </a:p>
-        </p:txBody>
-      </p:sp>
-      <p:sp>
-        <p:nvSpPr>
-          <p:cNvPr id="2" name="Заголовок 1"/>
-          <p:cNvSpPr>
-            <a:spLocks noGrp="1"/>
-          </p:cNvSpPr>
-          <p:nvPr>
-            <p:ph type="title"/>
-          </p:nvPr>
-        </p:nvSpPr>
-        <p:spPr/>
-        <p:txBody>
-          <a:bodyPr>
-            <a:normAutofit/>
-          </a:bodyPr>
-          <a:lstStyle/>
-          <a:p>
-            <a:r>
-              <a:rPr lang="en-US" dirty="0" smtClean="0"/>
-              <a:t>Any Questions?</a:t>
-            </a:r>
-            <a:endParaRPr lang="ru-RU" sz="4000" dirty="0"/>
-          </a:p>
-        </p:txBody>
-      </p:sp>
-      <p:sp>
-        <p:nvSpPr>
-          <p:cNvPr id="6" name="Номер слайда 5"/>
+          <p:cNvPr id="3" name="Slide Number Placeholder 2"/>
           <p:cNvSpPr>
             <a:spLocks noGrp="1"/>
           </p:cNvSpPr>
@@ -6033,23 +6145,1595 @@
           </a:p>
         </p:txBody>
       </p:sp>
+      <p:sp>
+        <p:nvSpPr>
+          <p:cNvPr id="4" name="Title 3"/>
+          <p:cNvSpPr>
+            <a:spLocks noGrp="1"/>
+          </p:cNvSpPr>
+          <p:nvPr>
+            <p:ph type="title"/>
+          </p:nvPr>
+        </p:nvSpPr>
+        <p:spPr/>
+        <p:txBody>
+          <a:bodyPr>
+            <a:normAutofit/>
+          </a:bodyPr>
+          <a:lstStyle/>
+          <a:p>
+            <a:r>
+              <a:rPr lang="en-US" dirty="0" smtClean="0"/>
+              <a:t>Compiling and Interpreting</a:t>
+            </a:r>
+            <a:endParaRPr lang="en-US" dirty="0"/>
+          </a:p>
+        </p:txBody>
+      </p:sp>
+      <p:grpSp>
+        <p:nvGrpSpPr>
+          <p:cNvPr id="11" name="Group 10"/>
+          <p:cNvGrpSpPr/>
+          <p:nvPr/>
+        </p:nvGrpSpPr>
+        <p:grpSpPr>
+          <a:xfrm>
+            <a:off x="2267712" y="1636776"/>
+            <a:ext cx="2148840" cy="4279392"/>
+            <a:chOff x="1124712" y="1636776"/>
+            <a:chExt cx="2148840" cy="4279392"/>
+          </a:xfrm>
+        </p:grpSpPr>
+        <p:sp>
+          <p:nvSpPr>
+            <p:cNvPr id="8" name="TextBox 7"/>
+            <p:cNvSpPr txBox="1"/>
+            <p:nvPr/>
+          </p:nvSpPr>
+          <p:spPr>
+            <a:xfrm>
+              <a:off x="1161288" y="1636776"/>
+              <a:ext cx="2112264" cy="915772"/>
+            </a:xfrm>
+            <a:prstGeom prst="rect">
+              <a:avLst/>
+            </a:prstGeom>
+            <a:solidFill>
+              <a:schemeClr val="bg1"/>
+            </a:solidFill>
+          </p:spPr>
+          <p:txBody>
+            <a:bodyPr wrap="square" lIns="72000" tIns="25200" rIns="0" bIns="25200" rtlCol="0" anchor="ctr" anchorCtr="0">
+              <a:normAutofit/>
+            </a:bodyPr>
+            <a:lstStyle/>
+            <a:p>
+              <a:pPr algn="ctr"/>
+              <a:r>
+                <a:rPr lang="en-US" sz="2800" b="1" dirty="0" smtClean="0">
+                  <a:solidFill>
+                    <a:srgbClr val="2E5E8E"/>
+                  </a:solidFill>
+                  <a:latin typeface="+mj-lt"/>
+                </a:rPr>
+                <a:t>Input Data</a:t>
+              </a:r>
+              <a:endParaRPr lang="en-US" sz="2800" b="1" dirty="0" smtClean="0">
+                <a:solidFill>
+                  <a:srgbClr val="2E5E8E"/>
+                </a:solidFill>
+                <a:latin typeface="+mj-lt"/>
+              </a:endParaRPr>
+            </a:p>
+          </p:txBody>
+        </p:sp>
+        <p:sp>
+          <p:nvSpPr>
+            <p:cNvPr id="5" name="Rectangle 4"/>
+            <p:cNvSpPr/>
+            <p:nvPr/>
+          </p:nvSpPr>
+          <p:spPr>
+            <a:xfrm>
+              <a:off x="1197864" y="3200400"/>
+              <a:ext cx="2039112" cy="941832"/>
+            </a:xfrm>
+            <a:prstGeom prst="rect">
+              <a:avLst/>
+            </a:prstGeom>
+          </p:spPr>
+          <p:style>
+            <a:lnRef idx="2">
+              <a:schemeClr val="accent1">
+                <a:shade val="50000"/>
+              </a:schemeClr>
+            </a:lnRef>
+            <a:fillRef idx="1">
+              <a:schemeClr val="accent1"/>
+            </a:fillRef>
+            <a:effectRef idx="0">
+              <a:schemeClr val="accent1"/>
+            </a:effectRef>
+            <a:fontRef idx="minor">
+              <a:schemeClr val="lt1"/>
+            </a:fontRef>
+          </p:style>
+          <p:txBody>
+            <a:bodyPr rtlCol="0" anchor="ctr"/>
+            <a:lstStyle/>
+            <a:p>
+              <a:pPr algn="ctr"/>
+              <a:r>
+                <a:rPr lang="en-US" sz="2800" b="1" dirty="0" smtClean="0"/>
+                <a:t>Program</a:t>
+              </a:r>
+              <a:endParaRPr lang="en-US" sz="2800" b="1" dirty="0"/>
+            </a:p>
+          </p:txBody>
+        </p:sp>
+        <p:sp>
+          <p:nvSpPr>
+            <p:cNvPr id="6" name="Down Arrow 5"/>
+            <p:cNvSpPr/>
+            <p:nvPr/>
+          </p:nvSpPr>
+          <p:spPr>
+            <a:xfrm>
+              <a:off x="2011680" y="2458514"/>
+              <a:ext cx="411480" cy="630936"/>
+            </a:xfrm>
+            <a:prstGeom prst="downArrow">
+              <a:avLst/>
+            </a:prstGeom>
+          </p:spPr>
+          <p:style>
+            <a:lnRef idx="2">
+              <a:schemeClr val="accent1">
+                <a:shade val="50000"/>
+              </a:schemeClr>
+            </a:lnRef>
+            <a:fillRef idx="1">
+              <a:schemeClr val="accent1"/>
+            </a:fillRef>
+            <a:effectRef idx="0">
+              <a:schemeClr val="accent1"/>
+            </a:effectRef>
+            <a:fontRef idx="minor">
+              <a:schemeClr val="lt1"/>
+            </a:fontRef>
+          </p:style>
+          <p:txBody>
+            <a:bodyPr rtlCol="0" anchor="ctr"/>
+            <a:lstStyle/>
+            <a:p>
+              <a:pPr algn="ctr"/>
+              <a:endParaRPr lang="en-US"/>
+            </a:p>
+          </p:txBody>
+        </p:sp>
+        <p:sp>
+          <p:nvSpPr>
+            <p:cNvPr id="7" name="Down Arrow 6"/>
+            <p:cNvSpPr/>
+            <p:nvPr/>
+          </p:nvSpPr>
+          <p:spPr>
+            <a:xfrm>
+              <a:off x="2011680" y="4361688"/>
+              <a:ext cx="411480" cy="630936"/>
+            </a:xfrm>
+            <a:prstGeom prst="downArrow">
+              <a:avLst/>
+            </a:prstGeom>
+          </p:spPr>
+          <p:style>
+            <a:lnRef idx="2">
+              <a:schemeClr val="accent1">
+                <a:shade val="50000"/>
+              </a:schemeClr>
+            </a:lnRef>
+            <a:fillRef idx="1">
+              <a:schemeClr val="accent1"/>
+            </a:fillRef>
+            <a:effectRef idx="0">
+              <a:schemeClr val="accent1"/>
+            </a:effectRef>
+            <a:fontRef idx="minor">
+              <a:schemeClr val="lt1"/>
+            </a:fontRef>
+          </p:style>
+          <p:txBody>
+            <a:bodyPr rtlCol="0" anchor="ctr"/>
+            <a:lstStyle/>
+            <a:p>
+              <a:pPr algn="ctr"/>
+              <a:endParaRPr lang="en-US"/>
+            </a:p>
+          </p:txBody>
+        </p:sp>
+        <p:sp>
+          <p:nvSpPr>
+            <p:cNvPr id="10" name="TextBox 9"/>
+            <p:cNvSpPr txBox="1"/>
+            <p:nvPr/>
+          </p:nvSpPr>
+          <p:spPr>
+            <a:xfrm>
+              <a:off x="1124712" y="5000396"/>
+              <a:ext cx="2112264" cy="915772"/>
+            </a:xfrm>
+            <a:prstGeom prst="rect">
+              <a:avLst/>
+            </a:prstGeom>
+            <a:solidFill>
+              <a:schemeClr val="bg1"/>
+            </a:solidFill>
+          </p:spPr>
+          <p:txBody>
+            <a:bodyPr wrap="square" lIns="72000" tIns="25200" rIns="0" bIns="25200" rtlCol="0" anchor="ctr" anchorCtr="0">
+              <a:normAutofit/>
+            </a:bodyPr>
+            <a:lstStyle/>
+            <a:p>
+              <a:pPr algn="ctr"/>
+              <a:r>
+                <a:rPr lang="en-US" sz="2800" b="1" dirty="0" smtClean="0">
+                  <a:solidFill>
+                    <a:srgbClr val="2E5E8E"/>
+                  </a:solidFill>
+                  <a:latin typeface="+mj-lt"/>
+                </a:rPr>
+                <a:t>Output Data</a:t>
+              </a:r>
+              <a:endParaRPr lang="en-US" sz="2800" b="1" dirty="0" smtClean="0">
+                <a:solidFill>
+                  <a:srgbClr val="2E5E8E"/>
+                </a:solidFill>
+                <a:latin typeface="+mj-lt"/>
+              </a:endParaRPr>
+            </a:p>
+          </p:txBody>
+        </p:sp>
+      </p:grpSp>
+      <p:grpSp>
+        <p:nvGrpSpPr>
+          <p:cNvPr id="12" name="Group 11"/>
+          <p:cNvGrpSpPr/>
+          <p:nvPr/>
+        </p:nvGrpSpPr>
+        <p:grpSpPr>
+          <a:xfrm>
+            <a:off x="4834128" y="1624584"/>
+            <a:ext cx="2148840" cy="4279392"/>
+            <a:chOff x="1124712" y="1636776"/>
+            <a:chExt cx="2148840" cy="4279392"/>
+          </a:xfrm>
+        </p:grpSpPr>
+        <p:sp>
+          <p:nvSpPr>
+            <p:cNvPr id="13" name="TextBox 12"/>
+            <p:cNvSpPr txBox="1"/>
+            <p:nvPr/>
+          </p:nvSpPr>
+          <p:spPr>
+            <a:xfrm>
+              <a:off x="1161288" y="1636776"/>
+              <a:ext cx="2112264" cy="915772"/>
+            </a:xfrm>
+            <a:prstGeom prst="rect">
+              <a:avLst/>
+            </a:prstGeom>
+            <a:solidFill>
+              <a:schemeClr val="bg1"/>
+            </a:solidFill>
+          </p:spPr>
+          <p:txBody>
+            <a:bodyPr wrap="square" lIns="72000" tIns="25200" rIns="0" bIns="25200" rtlCol="0" anchor="ctr" anchorCtr="0">
+              <a:normAutofit/>
+            </a:bodyPr>
+            <a:lstStyle/>
+            <a:p>
+              <a:pPr algn="ctr"/>
+              <a:r>
+                <a:rPr lang="en-US" sz="2800" b="1" dirty="0" smtClean="0">
+                  <a:solidFill>
+                    <a:srgbClr val="2E5E8E"/>
+                  </a:solidFill>
+                  <a:latin typeface="+mj-lt"/>
+                </a:rPr>
+                <a:t>Source Code</a:t>
+              </a:r>
+              <a:endParaRPr lang="en-US" sz="2800" b="1" dirty="0" smtClean="0">
+                <a:solidFill>
+                  <a:srgbClr val="2E5E8E"/>
+                </a:solidFill>
+                <a:latin typeface="+mj-lt"/>
+              </a:endParaRPr>
+            </a:p>
+          </p:txBody>
+        </p:sp>
+        <p:sp>
+          <p:nvSpPr>
+            <p:cNvPr id="14" name="Rectangle 13"/>
+            <p:cNvSpPr/>
+            <p:nvPr/>
+          </p:nvSpPr>
+          <p:spPr>
+            <a:xfrm>
+              <a:off x="1197864" y="3200400"/>
+              <a:ext cx="2039112" cy="941832"/>
+            </a:xfrm>
+            <a:prstGeom prst="rect">
+              <a:avLst/>
+            </a:prstGeom>
+          </p:spPr>
+          <p:style>
+            <a:lnRef idx="2">
+              <a:schemeClr val="accent1">
+                <a:shade val="50000"/>
+              </a:schemeClr>
+            </a:lnRef>
+            <a:fillRef idx="1">
+              <a:schemeClr val="accent1"/>
+            </a:fillRef>
+            <a:effectRef idx="0">
+              <a:schemeClr val="accent1"/>
+            </a:effectRef>
+            <a:fontRef idx="minor">
+              <a:schemeClr val="lt1"/>
+            </a:fontRef>
+          </p:style>
+          <p:txBody>
+            <a:bodyPr rtlCol="0" anchor="ctr"/>
+            <a:lstStyle/>
+            <a:p>
+              <a:pPr algn="ctr"/>
+              <a:r>
+                <a:rPr lang="en-US" sz="2800" b="1" dirty="0" smtClean="0"/>
+                <a:t>Compiler</a:t>
+              </a:r>
+              <a:endParaRPr lang="en-US" sz="2800" b="1" dirty="0"/>
+            </a:p>
+          </p:txBody>
+        </p:sp>
+        <p:sp>
+          <p:nvSpPr>
+            <p:cNvPr id="15" name="Down Arrow 14"/>
+            <p:cNvSpPr/>
+            <p:nvPr/>
+          </p:nvSpPr>
+          <p:spPr>
+            <a:xfrm>
+              <a:off x="2011680" y="2458514"/>
+              <a:ext cx="411480" cy="630936"/>
+            </a:xfrm>
+            <a:prstGeom prst="downArrow">
+              <a:avLst/>
+            </a:prstGeom>
+          </p:spPr>
+          <p:style>
+            <a:lnRef idx="2">
+              <a:schemeClr val="accent1">
+                <a:shade val="50000"/>
+              </a:schemeClr>
+            </a:lnRef>
+            <a:fillRef idx="1">
+              <a:schemeClr val="accent1"/>
+            </a:fillRef>
+            <a:effectRef idx="0">
+              <a:schemeClr val="accent1"/>
+            </a:effectRef>
+            <a:fontRef idx="minor">
+              <a:schemeClr val="lt1"/>
+            </a:fontRef>
+          </p:style>
+          <p:txBody>
+            <a:bodyPr rtlCol="0" anchor="ctr"/>
+            <a:lstStyle/>
+            <a:p>
+              <a:pPr algn="ctr"/>
+              <a:endParaRPr lang="en-US"/>
+            </a:p>
+          </p:txBody>
+        </p:sp>
+        <p:sp>
+          <p:nvSpPr>
+            <p:cNvPr id="16" name="Down Arrow 15"/>
+            <p:cNvSpPr/>
+            <p:nvPr/>
+          </p:nvSpPr>
+          <p:spPr>
+            <a:xfrm>
+              <a:off x="2011680" y="4361688"/>
+              <a:ext cx="411480" cy="630936"/>
+            </a:xfrm>
+            <a:prstGeom prst="downArrow">
+              <a:avLst/>
+            </a:prstGeom>
+          </p:spPr>
+          <p:style>
+            <a:lnRef idx="2">
+              <a:schemeClr val="accent1">
+                <a:shade val="50000"/>
+              </a:schemeClr>
+            </a:lnRef>
+            <a:fillRef idx="1">
+              <a:schemeClr val="accent1"/>
+            </a:fillRef>
+            <a:effectRef idx="0">
+              <a:schemeClr val="accent1"/>
+            </a:effectRef>
+            <a:fontRef idx="minor">
+              <a:schemeClr val="lt1"/>
+            </a:fontRef>
+          </p:style>
+          <p:txBody>
+            <a:bodyPr rtlCol="0" anchor="ctr"/>
+            <a:lstStyle/>
+            <a:p>
+              <a:pPr algn="ctr"/>
+              <a:endParaRPr lang="en-US"/>
+            </a:p>
+          </p:txBody>
+        </p:sp>
+        <p:sp>
+          <p:nvSpPr>
+            <p:cNvPr id="17" name="TextBox 16"/>
+            <p:cNvSpPr txBox="1"/>
+            <p:nvPr/>
+          </p:nvSpPr>
+          <p:spPr>
+            <a:xfrm>
+              <a:off x="1124712" y="5000396"/>
+              <a:ext cx="2112264" cy="915772"/>
+            </a:xfrm>
+            <a:prstGeom prst="rect">
+              <a:avLst/>
+            </a:prstGeom>
+            <a:solidFill>
+              <a:schemeClr val="bg1"/>
+            </a:solidFill>
+          </p:spPr>
+          <p:txBody>
+            <a:bodyPr wrap="square" lIns="72000" tIns="25200" rIns="0" bIns="25200" rtlCol="0" anchor="ctr" anchorCtr="0">
+              <a:normAutofit/>
+            </a:bodyPr>
+            <a:lstStyle/>
+            <a:p>
+              <a:pPr algn="ctr"/>
+              <a:r>
+                <a:rPr lang="en-US" sz="2800" b="1" dirty="0" smtClean="0">
+                  <a:solidFill>
+                    <a:srgbClr val="2E5E8E"/>
+                  </a:solidFill>
+                  <a:latin typeface="+mj-lt"/>
+                </a:rPr>
+                <a:t>Executable Program</a:t>
+              </a:r>
+              <a:endParaRPr lang="en-US" sz="2800" b="1" dirty="0" smtClean="0">
+                <a:solidFill>
+                  <a:srgbClr val="2E5E8E"/>
+                </a:solidFill>
+                <a:latin typeface="+mj-lt"/>
+              </a:endParaRPr>
+            </a:p>
+          </p:txBody>
+        </p:sp>
+      </p:grpSp>
+      <p:grpSp>
+        <p:nvGrpSpPr>
+          <p:cNvPr id="26" name="Group 25"/>
+          <p:cNvGrpSpPr/>
+          <p:nvPr/>
+        </p:nvGrpSpPr>
+        <p:grpSpPr>
+          <a:xfrm>
+            <a:off x="7286244" y="1472027"/>
+            <a:ext cx="2456688" cy="4438045"/>
+            <a:chOff x="7350252" y="1472027"/>
+            <a:chExt cx="2456688" cy="4438045"/>
+          </a:xfrm>
+        </p:grpSpPr>
+        <p:grpSp>
+          <p:nvGrpSpPr>
+            <p:cNvPr id="18" name="Group 17"/>
+            <p:cNvGrpSpPr/>
+            <p:nvPr/>
+          </p:nvGrpSpPr>
+          <p:grpSpPr>
+            <a:xfrm>
+              <a:off x="7350252" y="1481171"/>
+              <a:ext cx="2281428" cy="4428901"/>
+              <a:chOff x="955548" y="1487267"/>
+              <a:chExt cx="2281428" cy="4428901"/>
+            </a:xfrm>
+          </p:grpSpPr>
+          <p:sp>
+            <p:nvSpPr>
+              <p:cNvPr id="19" name="TextBox 18"/>
+              <p:cNvSpPr txBox="1"/>
+              <p:nvPr/>
+            </p:nvSpPr>
+            <p:spPr>
+              <a:xfrm>
+                <a:off x="955548" y="1487267"/>
+                <a:ext cx="1261872" cy="915772"/>
+              </a:xfrm>
+              <a:prstGeom prst="rect">
+                <a:avLst/>
+              </a:prstGeom>
+              <a:solidFill>
+                <a:schemeClr val="bg1"/>
+              </a:solidFill>
+            </p:spPr>
+            <p:txBody>
+              <a:bodyPr wrap="square" lIns="72000" tIns="25200" rIns="0" bIns="25200" rtlCol="0" anchor="ctr" anchorCtr="0">
+                <a:normAutofit/>
+              </a:bodyPr>
+              <a:lstStyle/>
+              <a:p>
+                <a:pPr algn="ctr"/>
+                <a:r>
+                  <a:rPr lang="en-US" sz="2800" b="1" dirty="0" smtClean="0">
+                    <a:solidFill>
+                      <a:srgbClr val="2E5E8E"/>
+                    </a:solidFill>
+                    <a:latin typeface="+mj-lt"/>
+                  </a:rPr>
+                  <a:t>Source Code</a:t>
+                </a:r>
+                <a:endParaRPr lang="en-US" sz="2800" b="1" dirty="0" smtClean="0">
+                  <a:solidFill>
+                    <a:srgbClr val="2E5E8E"/>
+                  </a:solidFill>
+                  <a:latin typeface="+mj-lt"/>
+                </a:endParaRPr>
+              </a:p>
+            </p:txBody>
+          </p:sp>
+          <p:sp>
+            <p:nvSpPr>
+              <p:cNvPr id="20" name="Rectangle 19"/>
+              <p:cNvSpPr/>
+              <p:nvPr/>
+            </p:nvSpPr>
+            <p:spPr>
+              <a:xfrm>
+                <a:off x="1197864" y="3200400"/>
+                <a:ext cx="2039112" cy="941832"/>
+              </a:xfrm>
+              <a:prstGeom prst="rect">
+                <a:avLst/>
+              </a:prstGeom>
+            </p:spPr>
+            <p:style>
+              <a:lnRef idx="2">
+                <a:schemeClr val="accent1">
+                  <a:shade val="50000"/>
+                </a:schemeClr>
+              </a:lnRef>
+              <a:fillRef idx="1">
+                <a:schemeClr val="accent1"/>
+              </a:fillRef>
+              <a:effectRef idx="0">
+                <a:schemeClr val="accent1"/>
+              </a:effectRef>
+              <a:fontRef idx="minor">
+                <a:schemeClr val="lt1"/>
+              </a:fontRef>
+            </p:style>
+            <p:txBody>
+              <a:bodyPr rtlCol="0" anchor="ctr"/>
+              <a:lstStyle/>
+              <a:p>
+                <a:pPr algn="ctr"/>
+                <a:r>
+                  <a:rPr lang="en-US" sz="2800" b="1" dirty="0" smtClean="0"/>
+                  <a:t>Interpreter</a:t>
+                </a:r>
+                <a:endParaRPr lang="en-US" sz="2800" b="1" dirty="0"/>
+              </a:p>
+            </p:txBody>
+          </p:sp>
+          <p:sp>
+            <p:nvSpPr>
+              <p:cNvPr id="21" name="Down Arrow 20"/>
+              <p:cNvSpPr/>
+              <p:nvPr/>
+            </p:nvSpPr>
+            <p:spPr>
+              <a:xfrm>
+                <a:off x="1441704" y="2425901"/>
+                <a:ext cx="411480" cy="630936"/>
+              </a:xfrm>
+              <a:prstGeom prst="downArrow">
+                <a:avLst/>
+              </a:prstGeom>
+            </p:spPr>
+            <p:style>
+              <a:lnRef idx="2">
+                <a:schemeClr val="accent1">
+                  <a:shade val="50000"/>
+                </a:schemeClr>
+              </a:lnRef>
+              <a:fillRef idx="1">
+                <a:schemeClr val="accent1"/>
+              </a:fillRef>
+              <a:effectRef idx="0">
+                <a:schemeClr val="accent1"/>
+              </a:effectRef>
+              <a:fontRef idx="minor">
+                <a:schemeClr val="lt1"/>
+              </a:fontRef>
+            </p:style>
+            <p:txBody>
+              <a:bodyPr rtlCol="0" anchor="ctr"/>
+              <a:lstStyle/>
+              <a:p>
+                <a:pPr algn="ctr"/>
+                <a:endParaRPr lang="en-US"/>
+              </a:p>
+            </p:txBody>
+          </p:sp>
+          <p:sp>
+            <p:nvSpPr>
+              <p:cNvPr id="22" name="Down Arrow 21"/>
+              <p:cNvSpPr/>
+              <p:nvPr/>
+            </p:nvSpPr>
+            <p:spPr>
+              <a:xfrm>
+                <a:off x="2011680" y="4361688"/>
+                <a:ext cx="411480" cy="630936"/>
+              </a:xfrm>
+              <a:prstGeom prst="downArrow">
+                <a:avLst/>
+              </a:prstGeom>
+            </p:spPr>
+            <p:style>
+              <a:lnRef idx="2">
+                <a:schemeClr val="accent1">
+                  <a:shade val="50000"/>
+                </a:schemeClr>
+              </a:lnRef>
+              <a:fillRef idx="1">
+                <a:schemeClr val="accent1"/>
+              </a:fillRef>
+              <a:effectRef idx="0">
+                <a:schemeClr val="accent1"/>
+              </a:effectRef>
+              <a:fontRef idx="minor">
+                <a:schemeClr val="lt1"/>
+              </a:fontRef>
+            </p:style>
+            <p:txBody>
+              <a:bodyPr rtlCol="0" anchor="ctr"/>
+              <a:lstStyle/>
+              <a:p>
+                <a:pPr algn="ctr"/>
+                <a:endParaRPr lang="en-US"/>
+              </a:p>
+            </p:txBody>
+          </p:sp>
+          <p:sp>
+            <p:nvSpPr>
+              <p:cNvPr id="23" name="TextBox 22"/>
+              <p:cNvSpPr txBox="1"/>
+              <p:nvPr/>
+            </p:nvSpPr>
+            <p:spPr>
+              <a:xfrm>
+                <a:off x="1124712" y="5000396"/>
+                <a:ext cx="2112264" cy="915772"/>
+              </a:xfrm>
+              <a:prstGeom prst="rect">
+                <a:avLst/>
+              </a:prstGeom>
+              <a:solidFill>
+                <a:schemeClr val="bg1"/>
+              </a:solidFill>
+            </p:spPr>
+            <p:txBody>
+              <a:bodyPr wrap="square" lIns="72000" tIns="25200" rIns="0" bIns="25200" rtlCol="0" anchor="ctr" anchorCtr="0">
+                <a:normAutofit/>
+              </a:bodyPr>
+              <a:lstStyle/>
+              <a:p>
+                <a:pPr algn="ctr"/>
+                <a:r>
+                  <a:rPr lang="en-US" sz="2800" b="1" dirty="0" smtClean="0">
+                    <a:solidFill>
+                      <a:srgbClr val="2E5E8E"/>
+                    </a:solidFill>
+                    <a:latin typeface="+mj-lt"/>
+                  </a:rPr>
+                  <a:t>Output Data</a:t>
+                </a:r>
+                <a:endParaRPr lang="en-US" sz="2800" b="1" dirty="0" smtClean="0">
+                  <a:solidFill>
+                    <a:srgbClr val="2E5E8E"/>
+                  </a:solidFill>
+                  <a:latin typeface="+mj-lt"/>
+                </a:endParaRPr>
+              </a:p>
+            </p:txBody>
+          </p:sp>
+        </p:grpSp>
+        <p:sp>
+          <p:nvSpPr>
+            <p:cNvPr id="24" name="TextBox 23"/>
+            <p:cNvSpPr txBox="1"/>
+            <p:nvPr/>
+          </p:nvSpPr>
+          <p:spPr>
+            <a:xfrm>
+              <a:off x="8612124" y="1472027"/>
+              <a:ext cx="1194816" cy="915772"/>
+            </a:xfrm>
+            <a:prstGeom prst="rect">
+              <a:avLst/>
+            </a:prstGeom>
+            <a:solidFill>
+              <a:schemeClr val="bg1"/>
+            </a:solidFill>
+          </p:spPr>
+          <p:txBody>
+            <a:bodyPr wrap="square" lIns="72000" tIns="25200" rIns="0" bIns="25200" rtlCol="0" anchor="ctr" anchorCtr="0">
+              <a:normAutofit/>
+            </a:bodyPr>
+            <a:lstStyle/>
+            <a:p>
+              <a:pPr algn="ctr"/>
+              <a:r>
+                <a:rPr lang="en-US" sz="2800" b="1" dirty="0" smtClean="0">
+                  <a:solidFill>
+                    <a:srgbClr val="2E5E8E"/>
+                  </a:solidFill>
+                  <a:latin typeface="+mj-lt"/>
+                </a:rPr>
+                <a:t>Input Data</a:t>
+              </a:r>
+              <a:endParaRPr lang="en-US" sz="2800" b="1" dirty="0" smtClean="0">
+                <a:solidFill>
+                  <a:srgbClr val="2E5E8E"/>
+                </a:solidFill>
+                <a:latin typeface="+mj-lt"/>
+              </a:endParaRPr>
+            </a:p>
+          </p:txBody>
+        </p:sp>
+        <p:sp>
+          <p:nvSpPr>
+            <p:cNvPr id="25" name="Down Arrow 24"/>
+            <p:cNvSpPr/>
+            <p:nvPr/>
+          </p:nvSpPr>
+          <p:spPr>
+            <a:xfrm>
+              <a:off x="9003792" y="2419805"/>
+              <a:ext cx="411480" cy="630936"/>
+            </a:xfrm>
+            <a:prstGeom prst="downArrow">
+              <a:avLst/>
+            </a:prstGeom>
+          </p:spPr>
+          <p:style>
+            <a:lnRef idx="2">
+              <a:schemeClr val="accent1">
+                <a:shade val="50000"/>
+              </a:schemeClr>
+            </a:lnRef>
+            <a:fillRef idx="1">
+              <a:schemeClr val="accent1"/>
+            </a:fillRef>
+            <a:effectRef idx="0">
+              <a:schemeClr val="accent1"/>
+            </a:effectRef>
+            <a:fontRef idx="minor">
+              <a:schemeClr val="lt1"/>
+            </a:fontRef>
+          </p:style>
+          <p:txBody>
+            <a:bodyPr rtlCol="0" anchor="ctr"/>
+            <a:lstStyle/>
+            <a:p>
+              <a:pPr algn="ctr"/>
+              <a:endParaRPr lang="en-US"/>
+            </a:p>
+          </p:txBody>
+        </p:sp>
+      </p:grpSp>
     </p:spTree>
     <p:extLst>
       <p:ext uri="{BB962C8B-B14F-4D97-AF65-F5344CB8AC3E}">
-        <p14:creationId xmlns:p14="http://schemas.microsoft.com/office/powerpoint/2010/main" val="4217875043"/>
+        <p14:creationId xmlns:p14="http://schemas.microsoft.com/office/powerpoint/2010/main" val="1357877835"/>
       </p:ext>
     </p:extLst>
   </p:cSld>
   <p:clrMapOvr>
     <a:masterClrMapping/>
   </p:clrMapOvr>
-  <p:timing>
-    <p:tnLst>
-      <p:par>
-        <p:cTn id="1" dur="indefinite" restart="never" nodeType="tmRoot"/>
-      </p:par>
-    </p:tnLst>
-  </p:timing>
+</p:sld>
+</file>
+
+<file path=ppt/slides/slide8.xml><?xml version="1.0" encoding="utf-8"?>
+<p:sld xmlns:a="http://schemas.openxmlformats.org/drawingml/2006/main" xmlns:r="http://schemas.openxmlformats.org/officeDocument/2006/relationships" xmlns:p="http://schemas.openxmlformats.org/presentationml/2006/main">
+  <p:cSld>
+    <p:spTree>
+      <p:nvGrpSpPr>
+        <p:cNvPr id="1" name=""/>
+        <p:cNvGrpSpPr/>
+        <p:nvPr/>
+      </p:nvGrpSpPr>
+      <p:grpSpPr>
+        <a:xfrm>
+          <a:off x="0" y="0"/>
+          <a:ext cx="0" cy="0"/>
+          <a:chOff x="0" y="0"/>
+          <a:chExt cx="0" cy="0"/>
+        </a:xfrm>
+      </p:grpSpPr>
+      <p:sp>
+        <p:nvSpPr>
+          <p:cNvPr id="3" name="Slide Number Placeholder 2"/>
+          <p:cNvSpPr>
+            <a:spLocks noGrp="1"/>
+          </p:cNvSpPr>
+          <p:nvPr>
+            <p:ph type="sldNum" sz="quarter" idx="12"/>
+          </p:nvPr>
+        </p:nvSpPr>
+        <p:spPr/>
+        <p:txBody>
+          <a:bodyPr/>
+          <a:lstStyle/>
+          <a:p>
+            <a:pPr algn="ctr"/>
+            <a:fld id="{1397BFD8-F312-4EF2-A268-44FB4BDDBBB0}" type="slidenum">
+              <a:rPr lang="ru-RU" smtClean="0"/>
+              <a:pPr algn="ctr"/>
+              <a:t>8</a:t>
+            </a:fld>
+            <a:endParaRPr lang="ru-RU" dirty="0"/>
+          </a:p>
+        </p:txBody>
+      </p:sp>
+      <p:sp>
+        <p:nvSpPr>
+          <p:cNvPr id="4" name="Title 3"/>
+          <p:cNvSpPr>
+            <a:spLocks noGrp="1"/>
+          </p:cNvSpPr>
+          <p:nvPr>
+            <p:ph type="title"/>
+          </p:nvPr>
+        </p:nvSpPr>
+        <p:spPr/>
+        <p:txBody>
+          <a:bodyPr/>
+          <a:lstStyle/>
+          <a:p>
+            <a:r>
+              <a:rPr lang="en-US" dirty="0" smtClean="0"/>
+              <a:t>Program Analysis</a:t>
+            </a:r>
+            <a:endParaRPr lang="en-US" dirty="0"/>
+          </a:p>
+        </p:txBody>
+      </p:sp>
+      <p:sp>
+        <p:nvSpPr>
+          <p:cNvPr id="6" name="TextBox 5"/>
+          <p:cNvSpPr txBox="1"/>
+          <p:nvPr/>
+        </p:nvSpPr>
+        <p:spPr>
+          <a:xfrm>
+            <a:off x="189542" y="2408756"/>
+            <a:ext cx="1502664" cy="915772"/>
+          </a:xfrm>
+          <a:prstGeom prst="rect">
+            <a:avLst/>
+          </a:prstGeom>
+          <a:solidFill>
+            <a:schemeClr val="bg1"/>
+          </a:solidFill>
+        </p:spPr>
+        <p:txBody>
+          <a:bodyPr wrap="square" lIns="72000" tIns="25200" rIns="0" bIns="25200" rtlCol="0" anchor="ctr" anchorCtr="0">
+            <a:normAutofit/>
+          </a:bodyPr>
+          <a:lstStyle/>
+          <a:p>
+            <a:pPr algn="ctr"/>
+            <a:r>
+              <a:rPr lang="en-US" sz="2800" b="1" dirty="0" smtClean="0">
+                <a:solidFill>
+                  <a:srgbClr val="2E5E8E"/>
+                </a:solidFill>
+                <a:latin typeface="+mj-lt"/>
+              </a:rPr>
+              <a:t>Source</a:t>
+            </a:r>
+          </a:p>
+          <a:p>
+            <a:pPr algn="ctr"/>
+            <a:r>
+              <a:rPr lang="en-US" sz="2800" b="1" dirty="0" smtClean="0">
+                <a:solidFill>
+                  <a:srgbClr val="2E5E8E"/>
+                </a:solidFill>
+                <a:latin typeface="+mj-lt"/>
+              </a:rPr>
+              <a:t>Code</a:t>
+            </a:r>
+            <a:endParaRPr lang="en-US" sz="2800" b="1" dirty="0" smtClean="0">
+              <a:solidFill>
+                <a:srgbClr val="2E5E8E"/>
+              </a:solidFill>
+              <a:latin typeface="+mj-lt"/>
+            </a:endParaRPr>
+          </a:p>
+        </p:txBody>
+      </p:sp>
+      <p:sp>
+        <p:nvSpPr>
+          <p:cNvPr id="7" name="Rectangle 6"/>
+          <p:cNvSpPr/>
+          <p:nvPr/>
+        </p:nvSpPr>
+        <p:spPr>
+          <a:xfrm>
+            <a:off x="2415540" y="2502408"/>
+            <a:ext cx="1199388" cy="831266"/>
+          </a:xfrm>
+          <a:prstGeom prst="rect">
+            <a:avLst/>
+          </a:prstGeom>
+        </p:spPr>
+        <p:style>
+          <a:lnRef idx="2">
+            <a:schemeClr val="accent1">
+              <a:shade val="50000"/>
+            </a:schemeClr>
+          </a:lnRef>
+          <a:fillRef idx="1">
+            <a:schemeClr val="accent1"/>
+          </a:fillRef>
+          <a:effectRef idx="0">
+            <a:schemeClr val="accent1"/>
+          </a:effectRef>
+          <a:fontRef idx="minor">
+            <a:schemeClr val="lt1"/>
+          </a:fontRef>
+        </p:style>
+        <p:txBody>
+          <a:bodyPr rtlCol="0" anchor="ctr"/>
+          <a:lstStyle/>
+          <a:p>
+            <a:pPr algn="ctr"/>
+            <a:r>
+              <a:rPr lang="en-US" sz="2400" b="1" dirty="0" smtClean="0"/>
+              <a:t>Tokens</a:t>
+            </a:r>
+            <a:endParaRPr lang="en-US" sz="2800" b="1" dirty="0"/>
+          </a:p>
+        </p:txBody>
+      </p:sp>
+      <p:sp>
+        <p:nvSpPr>
+          <p:cNvPr id="8" name="Down Arrow 7"/>
+          <p:cNvSpPr/>
+          <p:nvPr/>
+        </p:nvSpPr>
+        <p:spPr>
+          <a:xfrm rot="16200000">
+            <a:off x="1808211" y="2587152"/>
+            <a:ext cx="411480" cy="643490"/>
+          </a:xfrm>
+          <a:prstGeom prst="downArrow">
+            <a:avLst/>
+          </a:prstGeom>
+        </p:spPr>
+        <p:style>
+          <a:lnRef idx="2">
+            <a:schemeClr val="accent1">
+              <a:shade val="50000"/>
+            </a:schemeClr>
+          </a:lnRef>
+          <a:fillRef idx="1">
+            <a:schemeClr val="accent1"/>
+          </a:fillRef>
+          <a:effectRef idx="0">
+            <a:schemeClr val="accent1"/>
+          </a:effectRef>
+          <a:fontRef idx="minor">
+            <a:schemeClr val="lt1"/>
+          </a:fontRef>
+        </p:style>
+        <p:txBody>
+          <a:bodyPr rtlCol="0" anchor="ctr"/>
+          <a:lstStyle/>
+          <a:p>
+            <a:pPr algn="ctr"/>
+            <a:endParaRPr lang="en-US"/>
+          </a:p>
+        </p:txBody>
+      </p:sp>
+      <p:sp>
+        <p:nvSpPr>
+          <p:cNvPr id="9" name="Down Arrow 8"/>
+          <p:cNvSpPr/>
+          <p:nvPr/>
+        </p:nvSpPr>
+        <p:spPr>
+          <a:xfrm rot="16200000">
+            <a:off x="5900478" y="2685250"/>
+            <a:ext cx="411480" cy="465582"/>
+          </a:xfrm>
+          <a:prstGeom prst="downArrow">
+            <a:avLst/>
+          </a:prstGeom>
+        </p:spPr>
+        <p:style>
+          <a:lnRef idx="2">
+            <a:schemeClr val="accent1">
+              <a:shade val="50000"/>
+            </a:schemeClr>
+          </a:lnRef>
+          <a:fillRef idx="1">
+            <a:schemeClr val="accent1"/>
+          </a:fillRef>
+          <a:effectRef idx="0">
+            <a:schemeClr val="accent1"/>
+          </a:effectRef>
+          <a:fontRef idx="minor">
+            <a:schemeClr val="lt1"/>
+          </a:fontRef>
+        </p:style>
+        <p:txBody>
+          <a:bodyPr rtlCol="0" anchor="ctr"/>
+          <a:lstStyle/>
+          <a:p>
+            <a:pPr algn="ctr"/>
+            <a:endParaRPr lang="en-US"/>
+          </a:p>
+        </p:txBody>
+      </p:sp>
+      <p:sp>
+        <p:nvSpPr>
+          <p:cNvPr id="10" name="TextBox 9"/>
+          <p:cNvSpPr txBox="1"/>
+          <p:nvPr/>
+        </p:nvSpPr>
+        <p:spPr>
+          <a:xfrm>
+            <a:off x="10038951" y="2417902"/>
+            <a:ext cx="2112264" cy="915772"/>
+          </a:xfrm>
+          <a:prstGeom prst="rect">
+            <a:avLst/>
+          </a:prstGeom>
+          <a:solidFill>
+            <a:schemeClr val="bg1"/>
+          </a:solidFill>
+        </p:spPr>
+        <p:txBody>
+          <a:bodyPr wrap="square" lIns="72000" tIns="25200" rIns="0" bIns="25200" rtlCol="0" anchor="ctr" anchorCtr="0">
+            <a:normAutofit/>
+          </a:bodyPr>
+          <a:lstStyle/>
+          <a:p>
+            <a:pPr algn="ctr"/>
+            <a:r>
+              <a:rPr lang="en-US" sz="2800" b="1" dirty="0" smtClean="0">
+                <a:solidFill>
+                  <a:srgbClr val="2E5E8E"/>
+                </a:solidFill>
+                <a:latin typeface="+mj-lt"/>
+              </a:rPr>
+              <a:t>Executable Program</a:t>
+            </a:r>
+            <a:endParaRPr lang="en-US" sz="2800" b="1" dirty="0" smtClean="0">
+              <a:solidFill>
+                <a:srgbClr val="2E5E8E"/>
+              </a:solidFill>
+              <a:latin typeface="+mj-lt"/>
+            </a:endParaRPr>
+          </a:p>
+        </p:txBody>
+      </p:sp>
+      <p:sp>
+        <p:nvSpPr>
+          <p:cNvPr id="11" name="Down Arrow 10"/>
+          <p:cNvSpPr/>
+          <p:nvPr/>
+        </p:nvSpPr>
+        <p:spPr>
+          <a:xfrm rot="16200000">
+            <a:off x="3747897" y="2683725"/>
+            <a:ext cx="411480" cy="450342"/>
+          </a:xfrm>
+          <a:prstGeom prst="downArrow">
+            <a:avLst/>
+          </a:prstGeom>
+        </p:spPr>
+        <p:style>
+          <a:lnRef idx="2">
+            <a:schemeClr val="accent1">
+              <a:shade val="50000"/>
+            </a:schemeClr>
+          </a:lnRef>
+          <a:fillRef idx="1">
+            <a:schemeClr val="accent1"/>
+          </a:fillRef>
+          <a:effectRef idx="0">
+            <a:schemeClr val="accent1"/>
+          </a:effectRef>
+          <a:fontRef idx="minor">
+            <a:schemeClr val="lt1"/>
+          </a:fontRef>
+        </p:style>
+        <p:txBody>
+          <a:bodyPr rtlCol="0" anchor="ctr"/>
+          <a:lstStyle/>
+          <a:p>
+            <a:pPr algn="ctr"/>
+            <a:endParaRPr lang="en-US"/>
+          </a:p>
+        </p:txBody>
+      </p:sp>
+      <p:sp>
+        <p:nvSpPr>
+          <p:cNvPr id="12" name="Rectangle 11"/>
+          <p:cNvSpPr/>
+          <p:nvPr/>
+        </p:nvSpPr>
+        <p:spPr>
+          <a:xfrm>
+            <a:off x="4278630" y="2502408"/>
+            <a:ext cx="1505944" cy="831266"/>
+          </a:xfrm>
+          <a:prstGeom prst="rect">
+            <a:avLst/>
+          </a:prstGeom>
+        </p:spPr>
+        <p:style>
+          <a:lnRef idx="2">
+            <a:schemeClr val="accent1">
+              <a:shade val="50000"/>
+            </a:schemeClr>
+          </a:lnRef>
+          <a:fillRef idx="1">
+            <a:schemeClr val="accent1"/>
+          </a:fillRef>
+          <a:effectRef idx="0">
+            <a:schemeClr val="accent1"/>
+          </a:effectRef>
+          <a:fontRef idx="minor">
+            <a:schemeClr val="lt1"/>
+          </a:fontRef>
+        </p:style>
+        <p:txBody>
+          <a:bodyPr rtlCol="0" anchor="ctr"/>
+          <a:lstStyle/>
+          <a:p>
+            <a:pPr algn="ctr"/>
+            <a:r>
+              <a:rPr lang="en-US" sz="2400" b="1" dirty="0" smtClean="0"/>
+              <a:t>Parse Tree / AST</a:t>
+            </a:r>
+            <a:endParaRPr lang="en-US" sz="2400" b="1" dirty="0"/>
+          </a:p>
+        </p:txBody>
+      </p:sp>
+      <p:sp>
+        <p:nvSpPr>
+          <p:cNvPr id="13" name="Rectangle 12"/>
+          <p:cNvSpPr/>
+          <p:nvPr/>
+        </p:nvSpPr>
+        <p:spPr>
+          <a:xfrm>
+            <a:off x="6386721" y="2502408"/>
+            <a:ext cx="1271834" cy="831266"/>
+          </a:xfrm>
+          <a:prstGeom prst="rect">
+            <a:avLst/>
+          </a:prstGeom>
+        </p:spPr>
+        <p:style>
+          <a:lnRef idx="2">
+            <a:schemeClr val="accent1">
+              <a:shade val="50000"/>
+            </a:schemeClr>
+          </a:lnRef>
+          <a:fillRef idx="1">
+            <a:schemeClr val="accent1"/>
+          </a:fillRef>
+          <a:effectRef idx="0">
+            <a:schemeClr val="accent1"/>
+          </a:effectRef>
+          <a:fontRef idx="minor">
+            <a:schemeClr val="lt1"/>
+          </a:fontRef>
+        </p:style>
+        <p:txBody>
+          <a:bodyPr rtlCol="0" anchor="ctr"/>
+          <a:lstStyle/>
+          <a:p>
+            <a:pPr algn="ctr"/>
+            <a:r>
+              <a:rPr lang="en-US" sz="2400" b="1" dirty="0" smtClean="0"/>
+              <a:t>CFG / DFG</a:t>
+            </a:r>
+            <a:endParaRPr lang="en-US" sz="2400" b="1" dirty="0"/>
+          </a:p>
+        </p:txBody>
+      </p:sp>
+      <p:sp>
+        <p:nvSpPr>
+          <p:cNvPr id="14" name="Down Arrow 13"/>
+          <p:cNvSpPr/>
+          <p:nvPr/>
+        </p:nvSpPr>
+        <p:spPr>
+          <a:xfrm rot="16200000">
+            <a:off x="7913136" y="2658232"/>
+            <a:ext cx="411480" cy="465582"/>
+          </a:xfrm>
+          <a:prstGeom prst="downArrow">
+            <a:avLst/>
+          </a:prstGeom>
+        </p:spPr>
+        <p:style>
+          <a:lnRef idx="2">
+            <a:schemeClr val="accent1">
+              <a:shade val="50000"/>
+            </a:schemeClr>
+          </a:lnRef>
+          <a:fillRef idx="1">
+            <a:schemeClr val="accent1"/>
+          </a:fillRef>
+          <a:effectRef idx="0">
+            <a:schemeClr val="accent1"/>
+          </a:effectRef>
+          <a:fontRef idx="minor">
+            <a:schemeClr val="lt1"/>
+          </a:fontRef>
+        </p:style>
+        <p:txBody>
+          <a:bodyPr rtlCol="0" anchor="ctr"/>
+          <a:lstStyle/>
+          <a:p>
+            <a:pPr algn="ctr"/>
+            <a:endParaRPr lang="en-US"/>
+          </a:p>
+        </p:txBody>
+      </p:sp>
+      <p:sp>
+        <p:nvSpPr>
+          <p:cNvPr id="15" name="Rectangle 14"/>
+          <p:cNvSpPr/>
+          <p:nvPr/>
+        </p:nvSpPr>
+        <p:spPr>
+          <a:xfrm>
+            <a:off x="8407108" y="2475390"/>
+            <a:ext cx="1199388" cy="831266"/>
+          </a:xfrm>
+          <a:prstGeom prst="rect">
+            <a:avLst/>
+          </a:prstGeom>
+        </p:spPr>
+        <p:style>
+          <a:lnRef idx="2">
+            <a:schemeClr val="accent1">
+              <a:shade val="50000"/>
+            </a:schemeClr>
+          </a:lnRef>
+          <a:fillRef idx="1">
+            <a:schemeClr val="accent1"/>
+          </a:fillRef>
+          <a:effectRef idx="0">
+            <a:schemeClr val="accent1"/>
+          </a:effectRef>
+          <a:fontRef idx="minor">
+            <a:schemeClr val="lt1"/>
+          </a:fontRef>
+        </p:style>
+        <p:txBody>
+          <a:bodyPr rtlCol="0" anchor="ctr"/>
+          <a:lstStyle/>
+          <a:p>
+            <a:pPr algn="ctr"/>
+            <a:r>
+              <a:rPr lang="en-US" sz="2400" b="1" dirty="0" smtClean="0"/>
+              <a:t>SSA</a:t>
+            </a:r>
+            <a:endParaRPr lang="en-US" sz="2800" b="1" dirty="0"/>
+          </a:p>
+        </p:txBody>
+      </p:sp>
+      <p:sp>
+        <p:nvSpPr>
+          <p:cNvPr id="16" name="Down Arrow 15"/>
+          <p:cNvSpPr/>
+          <p:nvPr/>
+        </p:nvSpPr>
+        <p:spPr>
+          <a:xfrm rot="16200000">
+            <a:off x="9775076" y="2618730"/>
+            <a:ext cx="411480" cy="580329"/>
+          </a:xfrm>
+          <a:prstGeom prst="downArrow">
+            <a:avLst/>
+          </a:prstGeom>
+        </p:spPr>
+        <p:style>
+          <a:lnRef idx="2">
+            <a:schemeClr val="accent1">
+              <a:shade val="50000"/>
+            </a:schemeClr>
+          </a:lnRef>
+          <a:fillRef idx="1">
+            <a:schemeClr val="accent1"/>
+          </a:fillRef>
+          <a:effectRef idx="0">
+            <a:schemeClr val="accent1"/>
+          </a:effectRef>
+          <a:fontRef idx="minor">
+            <a:schemeClr val="lt1"/>
+          </a:fontRef>
+        </p:style>
+        <p:txBody>
+          <a:bodyPr rtlCol="0" anchor="ctr"/>
+          <a:lstStyle/>
+          <a:p>
+            <a:pPr algn="ctr"/>
+            <a:endParaRPr lang="en-US"/>
+          </a:p>
+        </p:txBody>
+      </p:sp>
+      <p:sp>
+        <p:nvSpPr>
+          <p:cNvPr id="17" name="Rectangle 16"/>
+          <p:cNvSpPr/>
+          <p:nvPr/>
+        </p:nvSpPr>
+        <p:spPr>
+          <a:xfrm>
+            <a:off x="1980438" y="1659026"/>
+            <a:ext cx="7958692" cy="2150974"/>
+          </a:xfrm>
+          <a:prstGeom prst="rect">
+            <a:avLst/>
+          </a:prstGeom>
+          <a:noFill/>
+          <a:ln w="76200"/>
+        </p:spPr>
+        <p:style>
+          <a:lnRef idx="2">
+            <a:schemeClr val="accent1">
+              <a:shade val="50000"/>
+            </a:schemeClr>
+          </a:lnRef>
+          <a:fillRef idx="1">
+            <a:schemeClr val="accent1"/>
+          </a:fillRef>
+          <a:effectRef idx="0">
+            <a:schemeClr val="accent1"/>
+          </a:effectRef>
+          <a:fontRef idx="minor">
+            <a:schemeClr val="lt1"/>
+          </a:fontRef>
+        </p:style>
+        <p:txBody>
+          <a:bodyPr rtlCol="0" anchor="ctr"/>
+          <a:lstStyle/>
+          <a:p>
+            <a:pPr algn="ctr"/>
+            <a:endParaRPr lang="en-US"/>
+          </a:p>
+        </p:txBody>
+      </p:sp>
+      <p:sp>
+        <p:nvSpPr>
+          <p:cNvPr id="19" name="TextBox 18"/>
+          <p:cNvSpPr txBox="1"/>
+          <p:nvPr/>
+        </p:nvSpPr>
+        <p:spPr>
+          <a:xfrm>
+            <a:off x="4022807" y="1577834"/>
+            <a:ext cx="4096069" cy="915772"/>
+          </a:xfrm>
+          <a:prstGeom prst="rect">
+            <a:avLst/>
+          </a:prstGeom>
+          <a:noFill/>
+        </p:spPr>
+        <p:txBody>
+          <a:bodyPr wrap="square" lIns="72000" tIns="25200" rIns="0" bIns="25200" rtlCol="0" anchor="ctr" anchorCtr="0">
+            <a:normAutofit/>
+          </a:bodyPr>
+          <a:lstStyle/>
+          <a:p>
+            <a:pPr algn="ctr"/>
+            <a:r>
+              <a:rPr lang="en-US" sz="3200" b="1" dirty="0" smtClean="0">
+                <a:solidFill>
+                  <a:srgbClr val="2E5E8E"/>
+                </a:solidFill>
+                <a:latin typeface="+mj-lt"/>
+              </a:rPr>
+              <a:t>Internal Representation</a:t>
+            </a:r>
+            <a:endParaRPr lang="en-US" sz="3200" b="1" dirty="0" smtClean="0">
+              <a:solidFill>
+                <a:srgbClr val="2E5E8E"/>
+              </a:solidFill>
+              <a:latin typeface="+mj-lt"/>
+            </a:endParaRPr>
+          </a:p>
+        </p:txBody>
+      </p:sp>
+    </p:spTree>
+    <p:extLst>
+      <p:ext uri="{BB962C8B-B14F-4D97-AF65-F5344CB8AC3E}">
+        <p14:creationId xmlns:p14="http://schemas.microsoft.com/office/powerpoint/2010/main" val="2122729626"/>
+      </p:ext>
+    </p:extLst>
+  </p:cSld>
+  <p:clrMapOvr>
+    <a:masterClrMapping/>
+  </p:clrMapOvr>
+</p:sld>
+</file>
+
+<file path=ppt/slides/slide9.xml><?xml version="1.0" encoding="utf-8"?>
+<p:sld xmlns:a="http://schemas.openxmlformats.org/drawingml/2006/main" xmlns:r="http://schemas.openxmlformats.org/officeDocument/2006/relationships" xmlns:p="http://schemas.openxmlformats.org/presentationml/2006/main">
+  <p:cSld>
+    <p:spTree>
+      <p:nvGrpSpPr>
+        <p:cNvPr id="1" name=""/>
+        <p:cNvGrpSpPr/>
+        <p:nvPr/>
+      </p:nvGrpSpPr>
+      <p:grpSpPr>
+        <a:xfrm>
+          <a:off x="0" y="0"/>
+          <a:ext cx="0" cy="0"/>
+          <a:chOff x="0" y="0"/>
+          <a:chExt cx="0" cy="0"/>
+        </a:xfrm>
+      </p:grpSpPr>
+      <p:sp>
+        <p:nvSpPr>
+          <p:cNvPr id="2" name="Content Placeholder 1"/>
+          <p:cNvSpPr>
+            <a:spLocks noGrp="1"/>
+          </p:cNvSpPr>
+          <p:nvPr>
+            <p:ph idx="1"/>
+          </p:nvPr>
+        </p:nvSpPr>
+        <p:spPr/>
+        <p:txBody>
+          <a:bodyPr/>
+          <a:lstStyle/>
+          <a:p>
+            <a:r>
+              <a:rPr lang="en-US" dirty="0"/>
+              <a:t>Software metrics</a:t>
+            </a:r>
+          </a:p>
+          <a:p>
+            <a:r>
+              <a:rPr lang="en-US" dirty="0"/>
+              <a:t>Lexical and syntax analysis</a:t>
+            </a:r>
+          </a:p>
+          <a:p>
+            <a:r>
+              <a:rPr lang="en-US" dirty="0"/>
+              <a:t>Semantic analysis</a:t>
+            </a:r>
+          </a:p>
+          <a:p>
+            <a:r>
+              <a:rPr lang="en-US" dirty="0"/>
+              <a:t>Control and data-flow analysis</a:t>
+            </a:r>
+          </a:p>
+          <a:p>
+            <a:r>
+              <a:rPr lang="en-US" dirty="0"/>
+              <a:t>Inter-procedural analysis</a:t>
+            </a:r>
+          </a:p>
+          <a:p>
+            <a:r>
+              <a:rPr lang="en-US" dirty="0"/>
+              <a:t>Symbolic execution and abstract interpretation</a:t>
+            </a:r>
+          </a:p>
+          <a:p>
+            <a:r>
+              <a:rPr lang="en-US" dirty="0"/>
+              <a:t>Deductive verification</a:t>
+            </a:r>
+          </a:p>
+          <a:p>
+            <a:r>
+              <a:rPr lang="en-US" dirty="0"/>
+              <a:t>Mining-based analysis</a:t>
+            </a:r>
+          </a:p>
+        </p:txBody>
+      </p:sp>
+      <p:sp>
+        <p:nvSpPr>
+          <p:cNvPr id="3" name="Slide Number Placeholder 2"/>
+          <p:cNvSpPr>
+            <a:spLocks noGrp="1"/>
+          </p:cNvSpPr>
+          <p:nvPr>
+            <p:ph type="sldNum" sz="quarter" idx="12"/>
+          </p:nvPr>
+        </p:nvSpPr>
+        <p:spPr/>
+        <p:txBody>
+          <a:bodyPr/>
+          <a:lstStyle/>
+          <a:p>
+            <a:pPr algn="ctr"/>
+            <a:fld id="{1397BFD8-F312-4EF2-A268-44FB4BDDBBB0}" type="slidenum">
+              <a:rPr lang="ru-RU" smtClean="0"/>
+              <a:pPr algn="ctr"/>
+              <a:t>9</a:t>
+            </a:fld>
+            <a:endParaRPr lang="ru-RU" dirty="0"/>
+          </a:p>
+        </p:txBody>
+      </p:sp>
+      <p:sp>
+        <p:nvSpPr>
+          <p:cNvPr id="4" name="Title 3"/>
+          <p:cNvSpPr>
+            <a:spLocks noGrp="1"/>
+          </p:cNvSpPr>
+          <p:nvPr>
+            <p:ph type="title"/>
+          </p:nvPr>
+        </p:nvSpPr>
+        <p:spPr/>
+        <p:txBody>
+          <a:bodyPr/>
+          <a:lstStyle/>
+          <a:p>
+            <a:r>
+              <a:rPr lang="en-US" dirty="0" smtClean="0"/>
+              <a:t>Types </a:t>
+            </a:r>
+            <a:r>
+              <a:rPr lang="en-US" smtClean="0"/>
+              <a:t>of Analysis</a:t>
+            </a:r>
+            <a:endParaRPr lang="en-US"/>
+          </a:p>
+        </p:txBody>
+      </p:sp>
+    </p:spTree>
+    <p:extLst>
+      <p:ext uri="{BB962C8B-B14F-4D97-AF65-F5344CB8AC3E}">
+        <p14:creationId xmlns:p14="http://schemas.microsoft.com/office/powerpoint/2010/main" val="1157489549"/>
+      </p:ext>
+    </p:extLst>
+  </p:cSld>
+  <p:clrMapOvr>
+    <a:masterClrMapping/>
+  </p:clrMapOvr>
 </p:sld>
 </file>
 
